--- a/Documentation/Presentacion-TFM/Presentacion-TFM.pptx
+++ b/Documentation/Presentacion-TFM/Presentacion-TFM.pptx
@@ -3825,7 +3825,7 @@
           <a:p>
             <a:fld id="{82EDB8D0-98ED-4B86-9D5F-E61ADC70144D}" type="datetimeFigureOut">
               <a:rPr lang="en-US" smtClean="0"/>
-              <a:t>10/7/20</a:t>
+              <a:t>10/8/20</a:t>
             </a:fld>
             <a:endParaRPr lang="en-US" dirty="0"/>
           </a:p>
@@ -4240,7 +4240,7 @@
           <a:p>
             <a:fld id="{82EDB8D0-98ED-4B86-9D5F-E61ADC70144D}" type="datetimeFigureOut">
               <a:rPr lang="en-US" smtClean="0"/>
-              <a:t>10/7/20</a:t>
+              <a:t>10/8/20</a:t>
             </a:fld>
             <a:endParaRPr lang="en-US"/>
           </a:p>
@@ -4732,7 +4732,7 @@
           <a:p>
             <a:fld id="{82EDB8D0-98ED-4B86-9D5F-E61ADC70144D}" type="datetimeFigureOut">
               <a:rPr lang="en-US" smtClean="0"/>
-              <a:t>10/7/20</a:t>
+              <a:t>10/8/20</a:t>
             </a:fld>
             <a:endParaRPr lang="en-US"/>
           </a:p>
@@ -5219,7 +5219,7 @@
           <a:p>
             <a:fld id="{82EDB8D0-98ED-4B86-9D5F-E61ADC70144D}" type="datetimeFigureOut">
               <a:rPr lang="en-US" smtClean="0"/>
-              <a:t>10/7/20</a:t>
+              <a:t>10/8/20</a:t>
             </a:fld>
             <a:endParaRPr lang="en-US" dirty="0"/>
           </a:p>
@@ -5988,7 +5988,7 @@
           <a:p>
             <a:fld id="{82EDB8D0-98ED-4B86-9D5F-E61ADC70144D}" type="datetimeFigureOut">
               <a:rPr lang="en-US" smtClean="0"/>
-              <a:t>10/7/20</a:t>
+              <a:t>10/8/20</a:t>
             </a:fld>
             <a:endParaRPr lang="en-US"/>
           </a:p>
@@ -6470,7 +6470,7 @@
           <a:p>
             <a:fld id="{82EDB8D0-98ED-4B86-9D5F-E61ADC70144D}" type="datetimeFigureOut">
               <a:rPr lang="en-US" smtClean="0"/>
-              <a:t>10/7/20</a:t>
+              <a:t>10/8/20</a:t>
             </a:fld>
             <a:endParaRPr lang="en-US"/>
           </a:p>
@@ -7166,7 +7166,7 @@
           <a:p>
             <a:fld id="{82EDB8D0-98ED-4B86-9D5F-E61ADC70144D}" type="datetimeFigureOut">
               <a:rPr lang="en-US" smtClean="0"/>
-              <a:t>10/7/20</a:t>
+              <a:t>10/8/20</a:t>
             </a:fld>
             <a:endParaRPr lang="en-US"/>
           </a:p>
@@ -7591,7 +7591,7 @@
           <a:p>
             <a:fld id="{82EDB8D0-98ED-4B86-9D5F-E61ADC70144D}" type="datetimeFigureOut">
               <a:rPr lang="en-US" smtClean="0"/>
-              <a:t>10/7/20</a:t>
+              <a:t>10/8/20</a:t>
             </a:fld>
             <a:endParaRPr lang="en-US"/>
           </a:p>
@@ -7988,7 +7988,7 @@
           <a:p>
             <a:fld id="{82EDB8D0-98ED-4B86-9D5F-E61ADC70144D}" type="datetimeFigureOut">
               <a:rPr lang="en-US" smtClean="0"/>
-              <a:t>10/7/20</a:t>
+              <a:t>10/8/20</a:t>
             </a:fld>
             <a:endParaRPr lang="en-US"/>
           </a:p>
@@ -8583,7 +8583,7 @@
           <a:p>
             <a:fld id="{82EDB8D0-98ED-4B86-9D5F-E61ADC70144D}" type="datetimeFigureOut">
               <a:rPr lang="en-US" smtClean="0"/>
-              <a:t>10/7/20</a:t>
+              <a:t>10/8/20</a:t>
             </a:fld>
             <a:endParaRPr lang="en-US"/>
           </a:p>
@@ -9158,7 +9158,7 @@
           <a:p>
             <a:fld id="{82EDB8D0-98ED-4B86-9D5F-E61ADC70144D}" type="datetimeFigureOut">
               <a:rPr lang="en-US" smtClean="0"/>
-              <a:t>10/7/20</a:t>
+              <a:t>10/8/20</a:t>
             </a:fld>
             <a:endParaRPr lang="en-US"/>
           </a:p>
@@ -9685,7 +9685,7 @@
             <a:fld id="{82EDB8D0-98ED-4B86-9D5F-E61ADC70144D}" type="datetimeFigureOut">
               <a:rPr lang="en-US" smtClean="0"/>
               <a:pPr/>
-              <a:t>10/7/20</a:t>
+              <a:t>10/8/20</a:t>
             </a:fld>
             <a:endParaRPr lang="en-US" dirty="0"/>
           </a:p>
@@ -33716,16 +33716,15 @@
           </p:cNvPicPr>
           <p:nvPr/>
         </p:nvPicPr>
-        <p:blipFill>
+        <p:blipFill rotWithShape="1">
           <a:blip r:embed="rId4"/>
-          <a:stretch>
-            <a:fillRect/>
-          </a:stretch>
+          <a:srcRect l="21184" t="14379" r="18916" b="11546"/>
+          <a:stretch/>
         </p:blipFill>
         <p:spPr>
           <a:xfrm>
-            <a:off x="9275156" y="3409881"/>
-            <a:ext cx="2078644" cy="1548157"/>
+            <a:off x="9160954" y="3607831"/>
+            <a:ext cx="1245108" cy="1146790"/>
           </a:xfrm>
           <a:prstGeom prst="rect">
             <a:avLst/>
@@ -33840,14 +33839,15 @@
           </p:cNvPr>
           <p:cNvCxnSpPr>
             <a:cxnSpLocks/>
+            <a:stCxn id="12" idx="1"/>
             <a:endCxn id="14" idx="6"/>
           </p:cNvCxnSpPr>
           <p:nvPr/>
         </p:nvCxnSpPr>
         <p:spPr>
           <a:xfrm flipH="1">
-            <a:off x="7981160" y="4183959"/>
-            <a:ext cx="1734340" cy="0"/>
+            <a:off x="7981160" y="4181226"/>
+            <a:ext cx="1179794" cy="2733"/>
           </a:xfrm>
           <a:prstGeom prst="straightConnector1">
             <a:avLst/>
@@ -33955,6 +33955,41 @@
           </a:prstGeom>
         </p:spPr>
       </p:pic>
+      <p:sp>
+        <p:nvSpPr>
+          <p:cNvPr id="3" name="CuadroTexto 2">
+            <a:extLst>
+              <a:ext uri="{FF2B5EF4-FFF2-40B4-BE49-F238E27FC236}">
+                <a16:creationId xmlns:a16="http://schemas.microsoft.com/office/drawing/2014/main" id="{875DDDE3-D14C-844C-BBA0-5E4E5186BAB4}"/>
+              </a:ext>
+            </a:extLst>
+          </p:cNvPr>
+          <p:cNvSpPr txBox="1"/>
+          <p:nvPr/>
+        </p:nvSpPr>
+        <p:spPr>
+          <a:xfrm>
+            <a:off x="9372599" y="3087966"/>
+            <a:ext cx="764953" cy="461665"/>
+          </a:xfrm>
+          <a:prstGeom prst="rect">
+            <a:avLst/>
+          </a:prstGeom>
+          <a:noFill/>
+        </p:spPr>
+        <p:txBody>
+          <a:bodyPr wrap="none" rtlCol="0">
+            <a:spAutoFit/>
+          </a:bodyPr>
+          <a:lstStyle/>
+          <a:p>
+            <a:r>
+              <a:rPr lang="es-ES" sz="2400" b="1" dirty="0"/>
+              <a:t>5x5</a:t>
+            </a:r>
+          </a:p>
+        </p:txBody>
+      </p:sp>
     </p:spTree>
     <p:extLst>
       <p:ext uri="{BB962C8B-B14F-4D97-AF65-F5344CB8AC3E}">

--- a/Documentation/Presentacion-TFM/Presentacion-TFM.pptx
+++ b/Documentation/Presentacion-TFM/Presentacion-TFM.pptx
@@ -3825,7 +3825,7 @@
           <a:p>
             <a:fld id="{82EDB8D0-98ED-4B86-9D5F-E61ADC70144D}" type="datetimeFigureOut">
               <a:rPr lang="en-US" smtClean="0"/>
-              <a:t>10/8/20</a:t>
+              <a:t>10/10/20</a:t>
             </a:fld>
             <a:endParaRPr lang="en-US" dirty="0"/>
           </a:p>
@@ -4240,7 +4240,7 @@
           <a:p>
             <a:fld id="{82EDB8D0-98ED-4B86-9D5F-E61ADC70144D}" type="datetimeFigureOut">
               <a:rPr lang="en-US" smtClean="0"/>
-              <a:t>10/8/20</a:t>
+              <a:t>10/10/20</a:t>
             </a:fld>
             <a:endParaRPr lang="en-US"/>
           </a:p>
@@ -4732,7 +4732,7 @@
           <a:p>
             <a:fld id="{82EDB8D0-98ED-4B86-9D5F-E61ADC70144D}" type="datetimeFigureOut">
               <a:rPr lang="en-US" smtClean="0"/>
-              <a:t>10/8/20</a:t>
+              <a:t>10/10/20</a:t>
             </a:fld>
             <a:endParaRPr lang="en-US"/>
           </a:p>
@@ -5219,7 +5219,7 @@
           <a:p>
             <a:fld id="{82EDB8D0-98ED-4B86-9D5F-E61ADC70144D}" type="datetimeFigureOut">
               <a:rPr lang="en-US" smtClean="0"/>
-              <a:t>10/8/20</a:t>
+              <a:t>10/10/20</a:t>
             </a:fld>
             <a:endParaRPr lang="en-US" dirty="0"/>
           </a:p>
@@ -5988,7 +5988,7 @@
           <a:p>
             <a:fld id="{82EDB8D0-98ED-4B86-9D5F-E61ADC70144D}" type="datetimeFigureOut">
               <a:rPr lang="en-US" smtClean="0"/>
-              <a:t>10/8/20</a:t>
+              <a:t>10/10/20</a:t>
             </a:fld>
             <a:endParaRPr lang="en-US"/>
           </a:p>
@@ -6470,7 +6470,7 @@
           <a:p>
             <a:fld id="{82EDB8D0-98ED-4B86-9D5F-E61ADC70144D}" type="datetimeFigureOut">
               <a:rPr lang="en-US" smtClean="0"/>
-              <a:t>10/8/20</a:t>
+              <a:t>10/10/20</a:t>
             </a:fld>
             <a:endParaRPr lang="en-US"/>
           </a:p>
@@ -7166,7 +7166,7 @@
           <a:p>
             <a:fld id="{82EDB8D0-98ED-4B86-9D5F-E61ADC70144D}" type="datetimeFigureOut">
               <a:rPr lang="en-US" smtClean="0"/>
-              <a:t>10/8/20</a:t>
+              <a:t>10/10/20</a:t>
             </a:fld>
             <a:endParaRPr lang="en-US"/>
           </a:p>
@@ -7591,7 +7591,7 @@
           <a:p>
             <a:fld id="{82EDB8D0-98ED-4B86-9D5F-E61ADC70144D}" type="datetimeFigureOut">
               <a:rPr lang="en-US" smtClean="0"/>
-              <a:t>10/8/20</a:t>
+              <a:t>10/10/20</a:t>
             </a:fld>
             <a:endParaRPr lang="en-US"/>
           </a:p>
@@ -7988,7 +7988,7 @@
           <a:p>
             <a:fld id="{82EDB8D0-98ED-4B86-9D5F-E61ADC70144D}" type="datetimeFigureOut">
               <a:rPr lang="en-US" smtClean="0"/>
-              <a:t>10/8/20</a:t>
+              <a:t>10/10/20</a:t>
             </a:fld>
             <a:endParaRPr lang="en-US"/>
           </a:p>
@@ -8583,7 +8583,7 @@
           <a:p>
             <a:fld id="{82EDB8D0-98ED-4B86-9D5F-E61ADC70144D}" type="datetimeFigureOut">
               <a:rPr lang="en-US" smtClean="0"/>
-              <a:t>10/8/20</a:t>
+              <a:t>10/10/20</a:t>
             </a:fld>
             <a:endParaRPr lang="en-US"/>
           </a:p>
@@ -9158,7 +9158,7 @@
           <a:p>
             <a:fld id="{82EDB8D0-98ED-4B86-9D5F-E61ADC70144D}" type="datetimeFigureOut">
               <a:rPr lang="en-US" smtClean="0"/>
-              <a:t>10/8/20</a:t>
+              <a:t>10/10/20</a:t>
             </a:fld>
             <a:endParaRPr lang="en-US"/>
           </a:p>
@@ -9685,7 +9685,7 @@
             <a:fld id="{82EDB8D0-98ED-4B86-9D5F-E61ADC70144D}" type="datetimeFigureOut">
               <a:rPr lang="en-US" smtClean="0"/>
               <a:pPr/>
-              <a:t>10/8/20</a:t>
+              <a:t>10/10/20</a:t>
             </a:fld>
             <a:endParaRPr lang="en-US" dirty="0"/>
           </a:p>
@@ -37537,9 +37537,9 @@
         <p:grpSpPr>
           <a:xfrm>
             <a:off x="1468183" y="1641580"/>
-            <a:ext cx="9503876" cy="4897224"/>
+            <a:ext cx="9653130" cy="4897224"/>
             <a:chOff x="1468183" y="1641580"/>
-            <a:chExt cx="9503876" cy="4897224"/>
+            <a:chExt cx="9653130" cy="4897224"/>
           </a:xfrm>
         </p:grpSpPr>
         <p:grpSp>
@@ -37557,9 +37557,9 @@
           <p:grpSpPr>
             <a:xfrm>
               <a:off x="1468183" y="1641580"/>
-              <a:ext cx="9503876" cy="4897224"/>
+              <a:ext cx="9653130" cy="4897224"/>
               <a:chOff x="1739646" y="1622108"/>
-              <a:chExt cx="9503876" cy="4897224"/>
+              <a:chExt cx="9653130" cy="4897224"/>
             </a:xfrm>
           </p:grpSpPr>
           <p:sp>
@@ -37981,8 +37981,8 @@
             </p:nvSpPr>
             <p:spPr>
               <a:xfrm>
-                <a:off x="8589231" y="2653228"/>
-                <a:ext cx="1463954" cy="461665"/>
+                <a:off x="8586627" y="2422396"/>
+                <a:ext cx="2806149" cy="923330"/>
               </a:xfrm>
               <a:prstGeom prst="rect">
                 <a:avLst/>
@@ -37995,19 +37995,54 @@
               </a:ln>
             </p:spPr>
             <p:txBody>
-              <a:bodyPr wrap="square" rtlCol="0">
+              <a:bodyPr wrap="square" numCol="2" rtlCol="0">
                 <a:spAutoFit/>
               </a:bodyPr>
               <a:lstStyle/>
               <a:p>
                 <a:pPr algn="ctr"/>
                 <a:r>
-                  <a:rPr lang="es-ES" sz="2400" b="1" dirty="0">
-                    <a:solidFill>
-                      <a:srgbClr val="718EA5"/>
-                    </a:solidFill>
+                  <a:rPr lang="es-ES" b="1" dirty="0"/>
+                  <a:t>LEÓN</a:t>
+                </a:r>
+              </a:p>
+              <a:p>
+                <a:pPr algn="ctr"/>
+                <a:r>
+                  <a:rPr lang="es-ES" b="1" dirty="0"/>
+                  <a:t>RATÓN</a:t>
+                </a:r>
+              </a:p>
+              <a:p>
+                <a:pPr algn="ctr"/>
+                <a:r>
+                  <a:rPr lang="es-ES" b="1" dirty="0"/>
+                  <a:t>GATO</a:t>
+                </a:r>
+              </a:p>
+              <a:p>
+                <a:pPr algn="ctr"/>
+                <a:r>
+                  <a:rPr lang="es-ES" b="1" dirty="0">
+                    <a:highlight>
+                      <a:srgbClr val="FFFF00"/>
+                    </a:highlight>
                   </a:rPr>
                   <a:t>PERRO</a:t>
+                </a:r>
+              </a:p>
+              <a:p>
+                <a:pPr algn="ctr"/>
+                <a:r>
+                  <a:rPr lang="es-ES" b="1" dirty="0"/>
+                  <a:t>PÁJARO</a:t>
+                </a:r>
+              </a:p>
+              <a:p>
+                <a:pPr algn="ctr"/>
+                <a:r>
+                  <a:rPr lang="es-ES" b="1" dirty="0"/>
+                  <a:t>ELEFANTE</a:t>
                 </a:r>
               </a:p>
             </p:txBody>

--- a/Documentation/Presentacion-TFM/Presentacion-TFM.pptx
+++ b/Documentation/Presentacion-TFM/Presentacion-TFM.pptx
@@ -39230,7 +39230,7 @@
           </a:p>
           <a:p>
             <a:r>
-              <a:rPr lang="es-ES" sz="2200" dirty="0"/>
+              <a:rPr lang="es-ES" sz="2400" dirty="0"/>
               <a:t>Mejores resultados</a:t>
             </a:r>
           </a:p>
@@ -41953,7 +41953,7 @@
               <a:rPr lang="es-ES" sz="2400" dirty="0">
                 <a:sym typeface="Wingdings" pitchFamily="2" charset="2"/>
               </a:rPr>
-              <a:t>)</a:t>
+              <a:t>).</a:t>
             </a:r>
           </a:p>
           <a:p>
@@ -42021,7 +42021,7 @@
                   <a:srgbClr val="718EA5"/>
                 </a:solidFill>
               </a:rPr>
-              <a:t>Se puede predecir.</a:t>
+              <a:t>Se puede predecir</a:t>
             </a:r>
           </a:p>
           <a:p>
@@ -42214,35 +42214,35 @@
             <a:pPr lvl="1"/>
             <a:r>
               <a:rPr lang="es-ES" sz="2000" dirty="0"/>
-              <a:t>Mayor tamaño de imagen</a:t>
+              <a:t>Mayor tamaño de imagen.</a:t>
             </a:r>
           </a:p>
           <a:p>
             <a:pPr lvl="1"/>
             <a:r>
               <a:rPr lang="es-ES" sz="2000" dirty="0"/>
-              <a:t>Distintas formas y tamaños de objeto</a:t>
+              <a:t>Distintas formas y tamaños de objeto.</a:t>
             </a:r>
           </a:p>
           <a:p>
             <a:pPr lvl="1"/>
             <a:r>
               <a:rPr lang="es-ES" sz="2000" dirty="0"/>
-              <a:t>Dinámicas ruidosas</a:t>
+              <a:t>Dinámicas ruidosas.</a:t>
             </a:r>
           </a:p>
           <a:p>
             <a:pPr lvl="1"/>
             <a:r>
               <a:rPr lang="es-ES" sz="2000" dirty="0"/>
-              <a:t>Presencia de aceleración</a:t>
+              <a:t>Presencia de aceleración.</a:t>
             </a:r>
           </a:p>
           <a:p>
             <a:pPr lvl="1"/>
             <a:r>
               <a:rPr lang="es-ES" sz="2000" dirty="0"/>
-              <a:t>Pérdida de muestras</a:t>
+              <a:t>Pérdida de muestras.</a:t>
             </a:r>
           </a:p>
           <a:p>
@@ -42276,10 +42276,10 @@
       </p:sp>
       <p:sp>
         <p:nvSpPr>
-          <p:cNvPr id="6" name="CuadroTexto 5">
+          <p:cNvPr id="7" name="CuadroTexto 6">
             <a:extLst>
               <a:ext uri="{FF2B5EF4-FFF2-40B4-BE49-F238E27FC236}">
-                <a16:creationId xmlns:a16="http://schemas.microsoft.com/office/drawing/2014/main" id="{FABFA79F-0B92-BB4C-A327-E6F4EE8C7684}"/>
+                <a16:creationId xmlns:a16="http://schemas.microsoft.com/office/drawing/2014/main" id="{DA9E0C5F-7D1C-1642-B38C-F90F27A7E4E3}"/>
               </a:ext>
             </a:extLst>
           </p:cNvPr>
@@ -42288,8 +42288,8 @@
         </p:nvSpPr>
         <p:spPr>
           <a:xfrm>
-            <a:off x="1344060" y="1362098"/>
-            <a:ext cx="7814227" cy="523220"/>
+            <a:off x="1193318" y="1469787"/>
+            <a:ext cx="9776788" cy="800219"/>
           </a:xfrm>
           <a:prstGeom prst="rect">
             <a:avLst/>
@@ -42302,6 +42302,7 @@
           </a:bodyPr>
           <a:lstStyle/>
           <a:p>
+            <a:pPr algn="ctr"/>
             <a:r>
               <a:rPr lang="es-ES" sz="2800" b="1" dirty="0">
                 <a:solidFill>
@@ -42310,6 +42311,9 @@
               </a:rPr>
               <a:t>Líneas futuras</a:t>
             </a:r>
+          </a:p>
+          <a:p>
+            <a:endParaRPr lang="es-ES" dirty="0"/>
           </a:p>
         </p:txBody>
       </p:sp>

--- a/Documentation/Presentacion-TFM/Presentacion-TFM.pptx
+++ b/Documentation/Presentacion-TFM/Presentacion-TFM.pptx
@@ -13147,21 +13147,21 @@
           <a:p>
             <a:r>
               <a:rPr lang="es-ES" dirty="0"/>
-              <a:t>Imágenes muy sencillas</a:t>
+              <a:t>Imágenes muy sencillas:</a:t>
             </a:r>
           </a:p>
           <a:p>
             <a:pPr lvl="1"/>
             <a:r>
               <a:rPr lang="es-ES" dirty="0"/>
-              <a:t>Tamaño 80x120</a:t>
+              <a:t>Tamaño 80x120.</a:t>
             </a:r>
           </a:p>
           <a:p>
             <a:pPr lvl="1"/>
             <a:r>
               <a:rPr lang="es-ES" dirty="0"/>
-              <a:t>Píxel blanco (activo) que se desplaza sobre fondo negro</a:t>
+              <a:t>Píxel blanco (activo) que se desplaza sobre fondo negro.</a:t>
             </a:r>
           </a:p>
           <a:p>
@@ -13170,7 +13170,7 @@
           <a:p>
             <a:r>
               <a:rPr lang="es-ES" dirty="0"/>
-              <a:t>Muestreo regular </a:t>
+              <a:t>Muestreo regular:</a:t>
             </a:r>
             <a:endParaRPr lang="es-ES" dirty="0">
               <a:sym typeface="Wingdings" pitchFamily="2" charset="2"/>
@@ -13182,7 +13182,7 @@
               <a:rPr lang="es-ES" dirty="0">
                 <a:sym typeface="Wingdings" pitchFamily="2" charset="2"/>
               </a:rPr>
-              <a:t>Velocidad constante </a:t>
+              <a:t>Velocidad constante.</a:t>
             </a:r>
           </a:p>
           <a:p>
@@ -13191,7 +13191,7 @@
               <a:rPr lang="es-ES" dirty="0">
                 <a:sym typeface="Wingdings" pitchFamily="2" charset="2"/>
               </a:rPr>
-              <a:t>No faltan muestras </a:t>
+              <a:t>No faltan muestras.</a:t>
             </a:r>
           </a:p>
           <a:p>
@@ -13205,7 +13205,7 @@
               <a:rPr lang="es-ES" dirty="0">
                 <a:sym typeface="Wingdings" pitchFamily="2" charset="2"/>
               </a:rPr>
-              <a:t>Ausencia de ruido</a:t>
+              <a:t>Ausencia de ruido.</a:t>
             </a:r>
             <a:endParaRPr lang="es-ES" dirty="0"/>
           </a:p>
@@ -22592,7 +22592,7 @@
           <a:p>
             <a:r>
               <a:rPr lang="es-ES" sz="2200" dirty="0"/>
-              <a:t>1 capa oculta con 10 neuronas</a:t>
+              <a:t>1 capa oculta con 10 neuronas.</a:t>
             </a:r>
           </a:p>
         </p:txBody>
@@ -24124,14 +24124,14 @@
           <a:p>
             <a:r>
               <a:rPr lang="es-ES" sz="2400" dirty="0"/>
-              <a:t>10000 muestras de test</a:t>
+              <a:t>10000 muestras de test.</a:t>
             </a:r>
             <a:endParaRPr lang="es-ES" sz="2200" dirty="0"/>
           </a:p>
           <a:p>
             <a:r>
               <a:rPr lang="es-ES" sz="2400" dirty="0"/>
-              <a:t>Límite en sinusoidal de 2 DOF</a:t>
+              <a:t>Límite en sinusoidal de 2 DOF.</a:t>
             </a:r>
           </a:p>
         </p:txBody>
@@ -24302,7 +24302,7 @@
           <a:p>
             <a:r>
               <a:rPr lang="es-ES" sz="2200" dirty="0"/>
-              <a:t>1 capa LSTM con 25 celdas de memoria</a:t>
+              <a:t>1 capa LSTM con 25 neuronas.</a:t>
             </a:r>
           </a:p>
         </p:txBody>
@@ -26159,14 +26159,14 @@
           <a:p>
             <a:r>
               <a:rPr lang="es-ES" sz="2400" dirty="0"/>
-              <a:t>10000 muestras de test</a:t>
+              <a:t>10000 muestras de test.</a:t>
             </a:r>
             <a:endParaRPr lang="es-ES" sz="2200" dirty="0"/>
           </a:p>
           <a:p>
             <a:r>
               <a:rPr lang="es-ES" sz="2400" dirty="0"/>
-              <a:t>Límite en sinusoidal de 4 DOF</a:t>
+              <a:t>Límite en sinusoidal de 4 DOF.</a:t>
             </a:r>
           </a:p>
         </p:txBody>
@@ -26298,7 +26298,7 @@
               <a:rPr lang="es-ES" sz="2400" dirty="0">
                 <a:sym typeface="Wingdings" pitchFamily="2" charset="2"/>
               </a:rPr>
-              <a:t> 50 neuronas</a:t>
+              <a:t> 50 neuronas.</a:t>
             </a:r>
           </a:p>
           <a:p>
@@ -26310,14 +26310,14 @@
               <a:rPr lang="es-ES" sz="2400" dirty="0">
                 <a:sym typeface="Wingdings" pitchFamily="2" charset="2"/>
               </a:rPr>
-              <a:t> 2.5% media error relativo</a:t>
+              <a:t> 2.5% media error relativo.</a:t>
             </a:r>
             <a:endParaRPr lang="es-ES" sz="2400" dirty="0"/>
           </a:p>
           <a:p>
             <a:r>
               <a:rPr lang="es-ES" sz="2400" dirty="0"/>
-              <a:t>Mejora muy poco las prestaciones</a:t>
+              <a:t>Mejora muy poco las prestaciones.</a:t>
             </a:r>
           </a:p>
         </p:txBody>
@@ -26385,13 +26385,13 @@
           <a:p>
             <a:r>
               <a:rPr lang="es-ES" sz="2400" dirty="0"/>
-              <a:t>Mejora las prestaciones</a:t>
+              <a:t>Mejora las prestaciones.</a:t>
             </a:r>
           </a:p>
           <a:p>
             <a:r>
               <a:rPr lang="es-ES" sz="2400" dirty="0"/>
-              <a:t>Límite en 4 capas</a:t>
+              <a:t>Límite en 4 capas.</a:t>
             </a:r>
           </a:p>
         </p:txBody>
@@ -26520,7 +26520,7 @@
         <p:spPr>
           <a:xfrm>
             <a:off x="6648420" y="4999796"/>
-            <a:ext cx="4743450" cy="1329568"/>
+            <a:ext cx="4647679" cy="1329568"/>
           </a:xfrm>
           <a:prstGeom prst="rect">
             <a:avLst/>
@@ -26704,19 +26704,19 @@
               <a:rPr lang="es-ES" sz="2400" dirty="0">
                 <a:sym typeface="Wingdings" pitchFamily="2" charset="2"/>
               </a:rPr>
-              <a:t>Dinámica sinusoidal 4 DOF</a:t>
+              <a:t>Dinámica sinusoidal 4 DOF.</a:t>
             </a:r>
           </a:p>
           <a:p>
             <a:r>
               <a:rPr lang="es-ES" sz="2400" dirty="0"/>
-              <a:t>80000 muestras entrenamiento</a:t>
+              <a:t>80000 muestras entrenamiento.</a:t>
             </a:r>
           </a:p>
           <a:p>
             <a:r>
               <a:rPr lang="es-ES" sz="2400" dirty="0"/>
-              <a:t>10000 muestras test</a:t>
+              <a:t>10000 muestras test.</a:t>
             </a:r>
           </a:p>
         </p:txBody>
@@ -26887,7 +26887,7 @@
           <a:p>
             <a:r>
               <a:rPr lang="es-ES" sz="2200" dirty="0"/>
-              <a:t>4 capas LSTM con 70, 40, 25 y 15  celdas de memoria</a:t>
+              <a:t>4 capas LSTM con 70, 40, 25 y 15  neuronas.</a:t>
             </a:r>
           </a:p>
         </p:txBody>
@@ -28025,14 +28025,14 @@
           <a:p>
             <a:r>
               <a:rPr lang="es-ES" sz="2400" dirty="0"/>
-              <a:t>10000 muestras de test</a:t>
+              <a:t>10000 muestras de test.</a:t>
             </a:r>
             <a:endParaRPr lang="es-ES" sz="2200" dirty="0"/>
           </a:p>
           <a:p>
             <a:r>
               <a:rPr lang="es-ES" sz="2400" dirty="0"/>
-              <a:t>Se logra predecir</a:t>
+              <a:t>Se logra predecir.</a:t>
             </a:r>
           </a:p>
         </p:txBody>
@@ -28203,14 +28203,14 @@
           <a:p>
             <a:r>
               <a:rPr lang="es-ES" sz="2400" dirty="0"/>
-              <a:t>10000 muestras de test</a:t>
+              <a:t>10000 muestras de test.</a:t>
             </a:r>
             <a:endParaRPr lang="es-ES" sz="2200" dirty="0"/>
           </a:p>
           <a:p>
             <a:r>
               <a:rPr lang="es-ES" sz="2400" dirty="0"/>
-              <a:t>Pérdida de capacidad predictiva con umbrales admisibles</a:t>
+              <a:t>Pérdida de capacidad predictiva con umbrales admisibles.</a:t>
             </a:r>
           </a:p>
           <a:p>
@@ -28227,7 +28227,7 @@
             <a:pPr lvl="1"/>
             <a:r>
               <a:rPr lang="es-ES" sz="2200" dirty="0"/>
-              <a:t>14 píxeles de media  a 30 fotogramas (1.7 %)</a:t>
+              <a:t>14 píxeles de media  a 30 fotogramas (1,7 %).</a:t>
             </a:r>
           </a:p>
           <a:p>
@@ -31403,7 +31403,7 @@
             </a:r>
             <a:r>
               <a:rPr lang="es-ES" sz="2200" dirty="0"/>
-              <a:t>  con 32 neuronas </a:t>
+              <a:t>  con 32 neuronas. </a:t>
             </a:r>
           </a:p>
           <a:p>
@@ -31415,7 +31415,10 @@
               <a:rPr lang="es-ES" sz="2200" dirty="0" err="1"/>
               <a:t>MaxPooling</a:t>
             </a:r>
-            <a:endParaRPr lang="es-ES" sz="2200" dirty="0"/>
+            <a:r>
+              <a:rPr lang="es-ES" sz="2200" dirty="0"/>
+              <a:t>.</a:t>
+            </a:r>
           </a:p>
         </p:txBody>
       </p:sp>
@@ -31679,7 +31682,7 @@
         <p:spPr>
           <a:xfrm>
             <a:off x="838200" y="2445351"/>
-            <a:ext cx="3832776" cy="3390299"/>
+            <a:ext cx="4258056" cy="3390299"/>
           </a:xfrm>
         </p:spPr>
         <p:txBody>
@@ -31690,25 +31693,25 @@
           <a:p>
             <a:r>
               <a:rPr lang="es-ES" sz="2400" dirty="0"/>
-              <a:t>Dinámica lineal 1DOF</a:t>
+              <a:t>Dinámica lineal 1DOF.</a:t>
             </a:r>
           </a:p>
           <a:p>
             <a:r>
               <a:rPr lang="es-ES" sz="2400" dirty="0"/>
-              <a:t>Evaluación con 1000 muestras</a:t>
+              <a:t>Evaluación con 1000 muestras.</a:t>
             </a:r>
           </a:p>
           <a:p>
             <a:r>
               <a:rPr lang="es-ES" sz="2400" dirty="0"/>
-              <a:t>Mejora en prestaciones hasta estabilización</a:t>
+              <a:t>Mejora en prestaciones hasta estabilización.</a:t>
             </a:r>
           </a:p>
           <a:p>
             <a:r>
               <a:rPr lang="es-ES" sz="2400" dirty="0"/>
-              <a:t>Equilibrio entre número de muestras y complejidad</a:t>
+              <a:t>Equilibrio entre número de muestras y complejidad.</a:t>
             </a:r>
             <a:endParaRPr lang="es-ES" sz="2200" dirty="0"/>
           </a:p>
@@ -33236,7 +33239,7 @@
         <p:spPr>
           <a:xfrm>
             <a:off x="838200" y="3102576"/>
-            <a:ext cx="3832776" cy="1325563"/>
+            <a:ext cx="3989832" cy="1325563"/>
           </a:xfrm>
         </p:spPr>
         <p:txBody>
@@ -33247,14 +33250,14 @@
           <a:p>
             <a:r>
               <a:rPr lang="es-ES" sz="2400" dirty="0"/>
-              <a:t>10000 muestras de test</a:t>
+              <a:t>10000 muestras de test.</a:t>
             </a:r>
             <a:endParaRPr lang="es-ES" sz="2200" dirty="0"/>
           </a:p>
           <a:p>
             <a:r>
               <a:rPr lang="es-ES" sz="2400" dirty="0"/>
-              <a:t>Valores altos de máximo</a:t>
+              <a:t>Valores altos de máximo.</a:t>
             </a:r>
           </a:p>
           <a:p>
@@ -33265,6 +33268,10 @@
             <a:r>
               <a:rPr lang="es-ES" sz="2400" i="1" dirty="0" err="1"/>
               <a:t>outliers</a:t>
+            </a:r>
+            <a:r>
+              <a:rPr lang="es-ES" sz="2400" i="1" dirty="0"/>
+              <a:t>.</a:t>
             </a:r>
             <a:endParaRPr lang="es-ES" sz="2400" dirty="0"/>
           </a:p>
@@ -33479,7 +33486,7 @@
             </a:r>
             <a:r>
               <a:rPr lang="es-ES" sz="2200" dirty="0"/>
-              <a:t> con 32 neuronas </a:t>
+              <a:t> con 32 neuronas.</a:t>
             </a:r>
           </a:p>
           <a:p>
@@ -33491,12 +33498,15 @@
               <a:rPr lang="es-ES" sz="2200" dirty="0" err="1"/>
               <a:t>MaxPooling</a:t>
             </a:r>
-            <a:endParaRPr lang="es-ES" sz="2200" dirty="0"/>
+            <a:r>
+              <a:rPr lang="es-ES" sz="2200" dirty="0"/>
+              <a:t>.</a:t>
+            </a:r>
           </a:p>
           <a:p>
             <a:r>
               <a:rPr lang="es-ES" sz="2200" dirty="0"/>
-              <a:t>1 capa LSTM con 25 celdas de memoria</a:t>
+              <a:t>1 capa LSTM con 25 neuronas.</a:t>
             </a:r>
           </a:p>
         </p:txBody>
@@ -34085,33 +34095,33 @@
             <a:pPr lvl="1"/>
             <a:r>
               <a:rPr lang="es-ES" sz="2200" dirty="0"/>
-              <a:t>Pendiente nula</a:t>
+              <a:t>Pendiente nula.</a:t>
             </a:r>
           </a:p>
           <a:p>
             <a:pPr lvl="1"/>
             <a:r>
               <a:rPr lang="es-ES" sz="2200" dirty="0"/>
-              <a:t>Altura inicial del píxel fija </a:t>
+              <a:t>Altura inicial del píxel fija.</a:t>
             </a:r>
           </a:p>
           <a:p>
             <a:pPr lvl="1"/>
             <a:r>
               <a:rPr lang="es-ES" sz="2200" dirty="0"/>
-              <a:t>800 entrenamiento; 100 test</a:t>
+              <a:t>800 entrenamiento; 100 test.</a:t>
             </a:r>
           </a:p>
           <a:p>
             <a:r>
               <a:rPr lang="es-ES" sz="2400" dirty="0"/>
-              <a:t>No es una estrategia adecuada</a:t>
+              <a:t>No es una estrategia adecuada.</a:t>
             </a:r>
           </a:p>
           <a:p>
             <a:r>
               <a:rPr lang="es-ES" sz="2400" dirty="0"/>
-              <a:t>La expansión del píxel produce mejora</a:t>
+              <a:t>La expansión del píxel produce mejora.</a:t>
             </a:r>
           </a:p>
         </p:txBody>
@@ -35030,7 +35040,7 @@
             </a:r>
             <a:r>
               <a:rPr lang="es-ES" sz="2200" dirty="0"/>
-              <a:t> con 32 neuronas </a:t>
+              <a:t> con 32 neuronas.</a:t>
             </a:r>
           </a:p>
           <a:p>
@@ -35042,7 +35052,10 @@
               <a:rPr lang="es-ES" sz="2200" dirty="0" err="1"/>
               <a:t>MaxPooling</a:t>
             </a:r>
-            <a:endParaRPr lang="es-ES" sz="2200" dirty="0"/>
+            <a:r>
+              <a:rPr lang="es-ES" sz="2200" dirty="0"/>
+              <a:t>.</a:t>
+            </a:r>
           </a:p>
           <a:p>
             <a:r>
@@ -35055,7 +35068,7 @@
             </a:r>
             <a:r>
               <a:rPr lang="es-ES" sz="2200" dirty="0"/>
-              <a:t> con 5 celdas de memoria</a:t>
+              <a:t> con 5 celdas de memoria.</a:t>
             </a:r>
           </a:p>
         </p:txBody>
@@ -35309,7 +35322,7 @@
         <p:spPr>
           <a:xfrm>
             <a:off x="838200" y="3102576"/>
-            <a:ext cx="3832776" cy="1325563"/>
+            <a:ext cx="4087368" cy="1325563"/>
           </a:xfrm>
         </p:spPr>
         <p:txBody>
@@ -35320,14 +35333,14 @@
           <a:p>
             <a:r>
               <a:rPr lang="es-ES" sz="2400" dirty="0"/>
-              <a:t>10000 muestras de test</a:t>
+              <a:t>10000 muestras de test.</a:t>
             </a:r>
             <a:endParaRPr lang="es-ES" sz="2200" dirty="0"/>
           </a:p>
           <a:p>
             <a:r>
               <a:rPr lang="es-ES" sz="2400" dirty="0"/>
-              <a:t>Valores altos de máximo</a:t>
+              <a:t>Valores altos de máximo.</a:t>
             </a:r>
           </a:p>
           <a:p>
@@ -35338,6 +35351,10 @@
             <a:r>
               <a:rPr lang="es-ES" sz="2400" i="1" dirty="0" err="1"/>
               <a:t>outliers</a:t>
+            </a:r>
+            <a:r>
+              <a:rPr lang="es-ES" sz="2400" i="1" dirty="0"/>
+              <a:t>.</a:t>
             </a:r>
             <a:endParaRPr lang="es-ES" sz="2400" dirty="0"/>
           </a:p>
@@ -37089,13 +37106,13 @@
           <a:p>
             <a:r>
               <a:rPr lang="es-ES" sz="2400" dirty="0"/>
-              <a:t>Mejora las prestaciones</a:t>
+              <a:t>Mejora las prestaciones.</a:t>
             </a:r>
           </a:p>
           <a:p>
             <a:r>
               <a:rPr lang="es-ES" sz="2400" dirty="0"/>
-              <a:t>Límite en 4 capas</a:t>
+              <a:t>Límite en 4 capas.</a:t>
             </a:r>
           </a:p>
         </p:txBody>
@@ -37408,19 +37425,19 @@
               <a:rPr lang="es-ES" sz="2400" dirty="0">
                 <a:sym typeface="Wingdings" pitchFamily="2" charset="2"/>
               </a:rPr>
-              <a:t>Dinámica sinusoidal 4 DOF</a:t>
+              <a:t>Dinámica sinusoidal 4 DOF.</a:t>
             </a:r>
           </a:p>
           <a:p>
             <a:r>
               <a:rPr lang="es-ES" sz="2400" dirty="0"/>
-              <a:t>80000 muestras entrenamiento</a:t>
+              <a:t>80000 muestras entrenamiento.</a:t>
             </a:r>
           </a:p>
           <a:p>
             <a:r>
               <a:rPr lang="es-ES" sz="2400" dirty="0"/>
-              <a:t>10000 muestras test</a:t>
+              <a:t>10000 muestras test.</a:t>
             </a:r>
           </a:p>
         </p:txBody>
@@ -38981,7 +38998,7 @@
             </a:r>
             <a:r>
               <a:rPr lang="es-ES" sz="2000" dirty="0"/>
-              <a:t> con 32 neuronas </a:t>
+              <a:t> con 32 neuronas. </a:t>
             </a:r>
           </a:p>
           <a:p>
@@ -38993,7 +39010,10 @@
               <a:rPr lang="es-ES" sz="2000" dirty="0" err="1"/>
               <a:t>MaxPooling</a:t>
             </a:r>
-            <a:endParaRPr lang="es-ES" sz="2000" dirty="0"/>
+            <a:r>
+              <a:rPr lang="es-ES" sz="2000" dirty="0"/>
+              <a:t>.</a:t>
+            </a:r>
           </a:p>
           <a:p>
             <a:r>
@@ -39006,7 +39026,7 @@
             </a:r>
             <a:r>
               <a:rPr lang="es-ES" sz="2000" dirty="0"/>
-              <a:t> con  20, 15, 10 y 5 celdas de memoria</a:t>
+              <a:t> con  20, 15, 10 y 5 neuronas.</a:t>
             </a:r>
           </a:p>
         </p:txBody>
@@ -39214,7 +39234,7 @@
         <p:spPr>
           <a:xfrm>
             <a:off x="838200" y="3102576"/>
-            <a:ext cx="3832776" cy="1870107"/>
+            <a:ext cx="4050792" cy="1870107"/>
           </a:xfrm>
         </p:spPr>
         <p:txBody>
@@ -39225,19 +39245,19 @@
           <a:p>
             <a:r>
               <a:rPr lang="es-ES" sz="2400" dirty="0"/>
-              <a:t>10000 muestras de test</a:t>
+              <a:t>10000 muestras de test.</a:t>
             </a:r>
           </a:p>
           <a:p>
             <a:r>
               <a:rPr lang="es-ES" sz="2400" dirty="0"/>
-              <a:t>Mejores resultados</a:t>
+              <a:t>Mejores resultados.</a:t>
             </a:r>
           </a:p>
           <a:p>
             <a:r>
               <a:rPr lang="es-ES" sz="2400" dirty="0"/>
-              <a:t>Valores altos de máximo</a:t>
+              <a:t>Valores altos de máximo.</a:t>
             </a:r>
           </a:p>
           <a:p>
@@ -39248,6 +39268,10 @@
             <a:r>
               <a:rPr lang="es-ES" sz="2400" i="1" dirty="0" err="1"/>
               <a:t>outliers</a:t>
+            </a:r>
+            <a:r>
+              <a:rPr lang="es-ES" sz="2400" i="1" dirty="0"/>
+              <a:t>.</a:t>
             </a:r>
             <a:endParaRPr lang="es-ES" sz="2400" dirty="0"/>
           </a:p>
@@ -42259,10 +42283,10 @@
               <a:t> </a:t>
             </a:r>
             <a:r>
-              <a:rPr lang="es-ES" sz="2400" dirty="0">
+              <a:rPr lang="es-ES" sz="2400">
                 <a:sym typeface="Wingdings" pitchFamily="2" charset="2"/>
               </a:rPr>
-              <a:t> Seguimiento</a:t>
+              <a:t> Seguimiento.</a:t>
             </a:r>
             <a:endParaRPr lang="es-ES" sz="2400" dirty="0"/>
           </a:p>
@@ -45244,6 +45268,10 @@
             <a:r>
               <a:rPr lang="es-ES" sz="2400" b="1" dirty="0"/>
               <a:t>Creación de las bases de datos</a:t>
+            </a:r>
+            <a:r>
+              <a:rPr lang="es-ES" sz="2400" dirty="0"/>
+              <a:t>.</a:t>
             </a:r>
           </a:p>
           <a:p>

--- a/Documentation/Presentacion-TFM/Presentacion-TFM.pptx
+++ b/Documentation/Presentacion-TFM/Presentacion-TFM.pptx
@@ -28197,9 +28197,15 @@
         </p:spPr>
         <p:txBody>
           <a:bodyPr>
-            <a:normAutofit/>
+            <a:normAutofit lnSpcReduction="10000"/>
           </a:bodyPr>
           <a:lstStyle/>
+          <a:p>
+            <a:r>
+              <a:rPr lang="es-ES" sz="2400" dirty="0"/>
+              <a:t>Conjunto combinado.</a:t>
+            </a:r>
+          </a:p>
           <a:p>
             <a:r>
               <a:rPr lang="es-ES" sz="2400" dirty="0"/>

--- a/Documentation/Presentacion-TFM/Presentacion-TFM.pptx
+++ b/Documentation/Presentacion-TFM/Presentacion-TFM.pptx
@@ -3825,7 +3825,7 @@
           <a:p>
             <a:fld id="{82EDB8D0-98ED-4B86-9D5F-E61ADC70144D}" type="datetimeFigureOut">
               <a:rPr lang="en-US" smtClean="0"/>
-              <a:t>10/10/20</a:t>
+              <a:t>10/12/20</a:t>
             </a:fld>
             <a:endParaRPr lang="en-US" dirty="0"/>
           </a:p>
@@ -4240,7 +4240,7 @@
           <a:p>
             <a:fld id="{82EDB8D0-98ED-4B86-9D5F-E61ADC70144D}" type="datetimeFigureOut">
               <a:rPr lang="en-US" smtClean="0"/>
-              <a:t>10/10/20</a:t>
+              <a:t>10/12/20</a:t>
             </a:fld>
             <a:endParaRPr lang="en-US"/>
           </a:p>
@@ -4732,7 +4732,7 @@
           <a:p>
             <a:fld id="{82EDB8D0-98ED-4B86-9D5F-E61ADC70144D}" type="datetimeFigureOut">
               <a:rPr lang="en-US" smtClean="0"/>
-              <a:t>10/10/20</a:t>
+              <a:t>10/12/20</a:t>
             </a:fld>
             <a:endParaRPr lang="en-US"/>
           </a:p>
@@ -5219,7 +5219,7 @@
           <a:p>
             <a:fld id="{82EDB8D0-98ED-4B86-9D5F-E61ADC70144D}" type="datetimeFigureOut">
               <a:rPr lang="en-US" smtClean="0"/>
-              <a:t>10/10/20</a:t>
+              <a:t>10/12/20</a:t>
             </a:fld>
             <a:endParaRPr lang="en-US" dirty="0"/>
           </a:p>
@@ -5988,7 +5988,7 @@
           <a:p>
             <a:fld id="{82EDB8D0-98ED-4B86-9D5F-E61ADC70144D}" type="datetimeFigureOut">
               <a:rPr lang="en-US" smtClean="0"/>
-              <a:t>10/10/20</a:t>
+              <a:t>10/12/20</a:t>
             </a:fld>
             <a:endParaRPr lang="en-US"/>
           </a:p>
@@ -6470,7 +6470,7 @@
           <a:p>
             <a:fld id="{82EDB8D0-98ED-4B86-9D5F-E61ADC70144D}" type="datetimeFigureOut">
               <a:rPr lang="en-US" smtClean="0"/>
-              <a:t>10/10/20</a:t>
+              <a:t>10/12/20</a:t>
             </a:fld>
             <a:endParaRPr lang="en-US"/>
           </a:p>
@@ -7166,7 +7166,7 @@
           <a:p>
             <a:fld id="{82EDB8D0-98ED-4B86-9D5F-E61ADC70144D}" type="datetimeFigureOut">
               <a:rPr lang="en-US" smtClean="0"/>
-              <a:t>10/10/20</a:t>
+              <a:t>10/12/20</a:t>
             </a:fld>
             <a:endParaRPr lang="en-US"/>
           </a:p>
@@ -7591,7 +7591,7 @@
           <a:p>
             <a:fld id="{82EDB8D0-98ED-4B86-9D5F-E61ADC70144D}" type="datetimeFigureOut">
               <a:rPr lang="en-US" smtClean="0"/>
-              <a:t>10/10/20</a:t>
+              <a:t>10/12/20</a:t>
             </a:fld>
             <a:endParaRPr lang="en-US"/>
           </a:p>
@@ -7988,7 +7988,7 @@
           <a:p>
             <a:fld id="{82EDB8D0-98ED-4B86-9D5F-E61ADC70144D}" type="datetimeFigureOut">
               <a:rPr lang="en-US" smtClean="0"/>
-              <a:t>10/10/20</a:t>
+              <a:t>10/12/20</a:t>
             </a:fld>
             <a:endParaRPr lang="en-US"/>
           </a:p>
@@ -8583,7 +8583,7 @@
           <a:p>
             <a:fld id="{82EDB8D0-98ED-4B86-9D5F-E61ADC70144D}" type="datetimeFigureOut">
               <a:rPr lang="en-US" smtClean="0"/>
-              <a:t>10/10/20</a:t>
+              <a:t>10/12/20</a:t>
             </a:fld>
             <a:endParaRPr lang="en-US"/>
           </a:p>
@@ -9158,7 +9158,7 @@
           <a:p>
             <a:fld id="{82EDB8D0-98ED-4B86-9D5F-E61ADC70144D}" type="datetimeFigureOut">
               <a:rPr lang="en-US" smtClean="0"/>
-              <a:t>10/10/20</a:t>
+              <a:t>10/12/20</a:t>
             </a:fld>
             <a:endParaRPr lang="en-US"/>
           </a:p>
@@ -9685,7 +9685,7 @@
             <a:fld id="{82EDB8D0-98ED-4B86-9D5F-E61ADC70144D}" type="datetimeFigureOut">
               <a:rPr lang="en-US" smtClean="0"/>
               <a:pPr/>
-              <a:t>10/10/20</a:t>
+              <a:t>10/12/20</a:t>
             </a:fld>
             <a:endParaRPr lang="en-US" dirty="0"/>
           </a:p>
@@ -31423,7 +31423,7 @@
             </a:r>
             <a:r>
               <a:rPr lang="es-ES" sz="2200" dirty="0"/>
-              <a:t>.</a:t>
+              <a:t> 2x2.</a:t>
             </a:r>
           </a:p>
         </p:txBody>
@@ -33472,8 +33472,8 @@
         </p:nvSpPr>
         <p:spPr>
           <a:xfrm>
-            <a:off x="723901" y="2537016"/>
-            <a:ext cx="3748736" cy="3677517"/>
+            <a:off x="626365" y="2537016"/>
+            <a:ext cx="3863034" cy="3677517"/>
           </a:xfrm>
         </p:spPr>
         <p:txBody>
@@ -33506,7 +33506,7 @@
             </a:r>
             <a:r>
               <a:rPr lang="es-ES" sz="2200" dirty="0"/>
-              <a:t>.</a:t>
+              <a:t> 2x2.</a:t>
             </a:r>
           </a:p>
           <a:p>
@@ -35026,8 +35026,8 @@
         </p:nvSpPr>
         <p:spPr>
           <a:xfrm>
-            <a:off x="723901" y="2537016"/>
-            <a:ext cx="3748736" cy="3677517"/>
+            <a:off x="723900" y="2537016"/>
+            <a:ext cx="3860291" cy="3677517"/>
           </a:xfrm>
         </p:spPr>
         <p:txBody>
@@ -35060,7 +35060,7 @@
             </a:r>
             <a:r>
               <a:rPr lang="es-ES" sz="2200" dirty="0"/>
-              <a:t>.</a:t>
+              <a:t> 2x2.</a:t>
             </a:r>
           </a:p>
           <a:p>
@@ -37112,7 +37112,7 @@
           <a:p>
             <a:r>
               <a:rPr lang="es-ES" sz="2400" dirty="0"/>
-              <a:t>Mejora las prestaciones.</a:t>
+              <a:t>Mejora la media.</a:t>
             </a:r>
           </a:p>
           <a:p>
@@ -39018,7 +39018,7 @@
             </a:r>
             <a:r>
               <a:rPr lang="es-ES" sz="2000" dirty="0"/>
-              <a:t>.</a:t>
+              <a:t> 2x2.</a:t>
             </a:r>
           </a:p>
           <a:p>
@@ -42214,7 +42214,7 @@
         <p:spPr>
           <a:xfrm>
             <a:off x="1344062" y="2523898"/>
-            <a:ext cx="9503876" cy="3286329"/>
+            <a:ext cx="9503876" cy="2864315"/>
           </a:xfrm>
         </p:spPr>
         <p:txBody>
@@ -42243,35 +42243,35 @@
           <a:p>
             <a:pPr lvl="1"/>
             <a:r>
-              <a:rPr lang="es-ES" sz="2000" dirty="0"/>
+              <a:rPr lang="es-ES" sz="2200" dirty="0"/>
               <a:t>Mayor tamaño de imagen.</a:t>
             </a:r>
           </a:p>
           <a:p>
             <a:pPr lvl="1"/>
             <a:r>
-              <a:rPr lang="es-ES" sz="2000" dirty="0"/>
+              <a:rPr lang="es-ES" sz="2200" dirty="0"/>
               <a:t>Distintas formas y tamaños de objeto.</a:t>
             </a:r>
           </a:p>
           <a:p>
             <a:pPr lvl="1"/>
             <a:r>
-              <a:rPr lang="es-ES" sz="2000" dirty="0"/>
+              <a:rPr lang="es-ES" sz="2200" dirty="0"/>
               <a:t>Dinámicas ruidosas.</a:t>
             </a:r>
           </a:p>
           <a:p>
             <a:pPr lvl="1"/>
             <a:r>
-              <a:rPr lang="es-ES" sz="2000" dirty="0"/>
+              <a:rPr lang="es-ES" sz="2200" dirty="0"/>
               <a:t>Presencia de aceleración.</a:t>
             </a:r>
           </a:p>
           <a:p>
             <a:pPr lvl="1"/>
             <a:r>
-              <a:rPr lang="es-ES" sz="2000" dirty="0"/>
+              <a:rPr lang="es-ES" sz="2200" dirty="0"/>
               <a:t>Pérdida de muestras.</a:t>
             </a:r>
           </a:p>
@@ -42289,14 +42289,11 @@
               <a:t> </a:t>
             </a:r>
             <a:r>
-              <a:rPr lang="es-ES" sz="2400">
+              <a:rPr lang="es-ES" sz="2400" dirty="0">
                 <a:sym typeface="Wingdings" pitchFamily="2" charset="2"/>
               </a:rPr>
               <a:t> Seguimiento.</a:t>
             </a:r>
-            <a:endParaRPr lang="es-ES" sz="2400" dirty="0"/>
-          </a:p>
-          <a:p>
             <a:endParaRPr lang="es-ES" sz="2400" b="1" dirty="0"/>
           </a:p>
           <a:p>

--- a/Documentation/Presentacion-TFM/Presentacion-TFM.pptx
+++ b/Documentation/Presentacion-TFM/Presentacion-TFM.pptx
@@ -3825,7 +3825,7 @@
           <a:p>
             <a:fld id="{82EDB8D0-98ED-4B86-9D5F-E61ADC70144D}" type="datetimeFigureOut">
               <a:rPr lang="en-US" smtClean="0"/>
-              <a:t>10/12/20</a:t>
+              <a:t>10/13/20</a:t>
             </a:fld>
             <a:endParaRPr lang="en-US" dirty="0"/>
           </a:p>
@@ -4240,7 +4240,7 @@
           <a:p>
             <a:fld id="{82EDB8D0-98ED-4B86-9D5F-E61ADC70144D}" type="datetimeFigureOut">
               <a:rPr lang="en-US" smtClean="0"/>
-              <a:t>10/12/20</a:t>
+              <a:t>10/13/20</a:t>
             </a:fld>
             <a:endParaRPr lang="en-US"/>
           </a:p>
@@ -4732,7 +4732,7 @@
           <a:p>
             <a:fld id="{82EDB8D0-98ED-4B86-9D5F-E61ADC70144D}" type="datetimeFigureOut">
               <a:rPr lang="en-US" smtClean="0"/>
-              <a:t>10/12/20</a:t>
+              <a:t>10/13/20</a:t>
             </a:fld>
             <a:endParaRPr lang="en-US"/>
           </a:p>
@@ -5219,7 +5219,7 @@
           <a:p>
             <a:fld id="{82EDB8D0-98ED-4B86-9D5F-E61ADC70144D}" type="datetimeFigureOut">
               <a:rPr lang="en-US" smtClean="0"/>
-              <a:t>10/12/20</a:t>
+              <a:t>10/13/20</a:t>
             </a:fld>
             <a:endParaRPr lang="en-US" dirty="0"/>
           </a:p>
@@ -5988,7 +5988,7 @@
           <a:p>
             <a:fld id="{82EDB8D0-98ED-4B86-9D5F-E61ADC70144D}" type="datetimeFigureOut">
               <a:rPr lang="en-US" smtClean="0"/>
-              <a:t>10/12/20</a:t>
+              <a:t>10/13/20</a:t>
             </a:fld>
             <a:endParaRPr lang="en-US"/>
           </a:p>
@@ -6470,7 +6470,7 @@
           <a:p>
             <a:fld id="{82EDB8D0-98ED-4B86-9D5F-E61ADC70144D}" type="datetimeFigureOut">
               <a:rPr lang="en-US" smtClean="0"/>
-              <a:t>10/12/20</a:t>
+              <a:t>10/13/20</a:t>
             </a:fld>
             <a:endParaRPr lang="en-US"/>
           </a:p>
@@ -7166,7 +7166,7 @@
           <a:p>
             <a:fld id="{82EDB8D0-98ED-4B86-9D5F-E61ADC70144D}" type="datetimeFigureOut">
               <a:rPr lang="en-US" smtClean="0"/>
-              <a:t>10/12/20</a:t>
+              <a:t>10/13/20</a:t>
             </a:fld>
             <a:endParaRPr lang="en-US"/>
           </a:p>
@@ -7591,7 +7591,7 @@
           <a:p>
             <a:fld id="{82EDB8D0-98ED-4B86-9D5F-E61ADC70144D}" type="datetimeFigureOut">
               <a:rPr lang="en-US" smtClean="0"/>
-              <a:t>10/12/20</a:t>
+              <a:t>10/13/20</a:t>
             </a:fld>
             <a:endParaRPr lang="en-US"/>
           </a:p>
@@ -7988,7 +7988,7 @@
           <a:p>
             <a:fld id="{82EDB8D0-98ED-4B86-9D5F-E61ADC70144D}" type="datetimeFigureOut">
               <a:rPr lang="en-US" smtClean="0"/>
-              <a:t>10/12/20</a:t>
+              <a:t>10/13/20</a:t>
             </a:fld>
             <a:endParaRPr lang="en-US"/>
           </a:p>
@@ -8583,7 +8583,7 @@
           <a:p>
             <a:fld id="{82EDB8D0-98ED-4B86-9D5F-E61ADC70144D}" type="datetimeFigureOut">
               <a:rPr lang="en-US" smtClean="0"/>
-              <a:t>10/12/20</a:t>
+              <a:t>10/13/20</a:t>
             </a:fld>
             <a:endParaRPr lang="en-US"/>
           </a:p>
@@ -9158,7 +9158,7 @@
           <a:p>
             <a:fld id="{82EDB8D0-98ED-4B86-9D5F-E61ADC70144D}" type="datetimeFigureOut">
               <a:rPr lang="en-US" smtClean="0"/>
-              <a:t>10/12/20</a:t>
+              <a:t>10/13/20</a:t>
             </a:fld>
             <a:endParaRPr lang="en-US"/>
           </a:p>
@@ -9685,7 +9685,7 @@
             <a:fld id="{82EDB8D0-98ED-4B86-9D5F-E61ADC70144D}" type="datetimeFigureOut">
               <a:rPr lang="en-US" smtClean="0"/>
               <a:pPr/>
-              <a:t>10/12/20</a:t>
+              <a:t>10/13/20</a:t>
             </a:fld>
             <a:endParaRPr lang="en-US" dirty="0"/>
           </a:p>
@@ -10349,7 +10349,7 @@
         </p:nvSpPr>
         <p:spPr>
           <a:xfrm>
-            <a:off x="2787748" y="3973687"/>
+            <a:off x="2787747" y="3973687"/>
             <a:ext cx="6616502" cy="599245"/>
           </a:xfrm>
         </p:spPr>
@@ -13137,49 +13137,51 @@
         </p:nvSpPr>
         <p:spPr>
           <a:xfrm>
-            <a:off x="1344061" y="2141537"/>
+            <a:off x="1344061" y="2324860"/>
             <a:ext cx="10439400" cy="4351338"/>
           </a:xfrm>
         </p:spPr>
         <p:txBody>
-          <a:bodyPr/>
+          <a:bodyPr>
+            <a:normAutofit/>
+          </a:bodyPr>
           <a:lstStyle/>
           <a:p>
             <a:r>
-              <a:rPr lang="es-ES" dirty="0"/>
+              <a:rPr lang="es-ES" sz="2400" dirty="0"/>
               <a:t>Imágenes muy sencillas:</a:t>
             </a:r>
           </a:p>
           <a:p>
             <a:pPr lvl="1"/>
             <a:r>
-              <a:rPr lang="es-ES" dirty="0"/>
+              <a:rPr lang="es-ES" sz="2200" dirty="0"/>
               <a:t>Tamaño 80x120.</a:t>
             </a:r>
           </a:p>
           <a:p>
             <a:pPr lvl="1"/>
             <a:r>
-              <a:rPr lang="es-ES" dirty="0"/>
+              <a:rPr lang="es-ES" sz="2200" dirty="0"/>
               <a:t>Píxel blanco (activo) que se desplaza sobre fondo negro.</a:t>
             </a:r>
           </a:p>
           <a:p>
-            <a:endParaRPr lang="es-ES" dirty="0"/>
+            <a:endParaRPr lang="es-ES" sz="300" dirty="0"/>
           </a:p>
           <a:p>
             <a:r>
-              <a:rPr lang="es-ES" dirty="0"/>
+              <a:rPr lang="es-ES" sz="2400" dirty="0"/>
               <a:t>Muestreo regular:</a:t>
             </a:r>
-            <a:endParaRPr lang="es-ES" dirty="0">
+            <a:endParaRPr lang="es-ES" sz="2400" dirty="0">
               <a:sym typeface="Wingdings" pitchFamily="2" charset="2"/>
             </a:endParaRPr>
           </a:p>
           <a:p>
             <a:pPr lvl="1"/>
             <a:r>
-              <a:rPr lang="es-ES" dirty="0">
+              <a:rPr lang="es-ES" sz="2200" dirty="0">
                 <a:sym typeface="Wingdings" pitchFamily="2" charset="2"/>
               </a:rPr>
               <a:t>Velocidad constante.</a:t>
@@ -13188,26 +13190,28 @@
           <a:p>
             <a:pPr lvl="1"/>
             <a:r>
-              <a:rPr lang="es-ES" dirty="0">
+              <a:rPr lang="es-ES" sz="2200" dirty="0">
                 <a:sym typeface="Wingdings" pitchFamily="2" charset="2"/>
               </a:rPr>
               <a:t>No faltan muestras.</a:t>
             </a:r>
           </a:p>
           <a:p>
-            <a:pPr lvl="1"/>
-            <a:endParaRPr lang="es-ES" dirty="0">
+            <a:pPr marL="0" indent="0">
+              <a:buNone/>
+            </a:pPr>
+            <a:endParaRPr lang="es-ES" sz="300" dirty="0">
               <a:sym typeface="Wingdings" pitchFamily="2" charset="2"/>
             </a:endParaRPr>
           </a:p>
           <a:p>
             <a:r>
-              <a:rPr lang="es-ES" dirty="0">
+              <a:rPr lang="es-ES" sz="2400" dirty="0">
                 <a:sym typeface="Wingdings" pitchFamily="2" charset="2"/>
               </a:rPr>
               <a:t>Ausencia de ruido.</a:t>
             </a:r>
-            <a:endParaRPr lang="es-ES" dirty="0"/>
+            <a:endParaRPr lang="es-ES" sz="2400" dirty="0"/>
           </a:p>
         </p:txBody>
       </p:sp>
@@ -13399,8 +13403,8 @@
         </p:nvSpPr>
         <p:spPr>
           <a:xfrm>
-            <a:off x="975360" y="4001892"/>
-            <a:ext cx="1144159" cy="369332"/>
+            <a:off x="818507" y="3946461"/>
+            <a:ext cx="1467709" cy="461665"/>
           </a:xfrm>
           <a:prstGeom prst="rect">
             <a:avLst/>
@@ -13415,7 +13419,7 @@
           <a:p>
             <a:pPr algn="ctr"/>
             <a:r>
-              <a:rPr lang="es-ES" b="1" dirty="0"/>
+              <a:rPr lang="es-ES" sz="2400" b="1" dirty="0"/>
               <a:t>CRUDAS</a:t>
             </a:r>
           </a:p>
@@ -13435,8 +13439,8 @@
         </p:nvSpPr>
         <p:spPr>
           <a:xfrm>
-            <a:off x="9337477" y="4001892"/>
-            <a:ext cx="1687578" cy="369332"/>
+            <a:off x="9270221" y="3940485"/>
+            <a:ext cx="2189062" cy="461665"/>
           </a:xfrm>
           <a:prstGeom prst="rect">
             <a:avLst/>
@@ -13451,7 +13455,7 @@
           <a:p>
             <a:pPr algn="ctr"/>
             <a:r>
-              <a:rPr lang="es-ES" b="1" dirty="0"/>
+              <a:rPr lang="es-ES" sz="2400" b="1" dirty="0"/>
               <a:t>MODELADAS</a:t>
             </a:r>
           </a:p>
@@ -13826,8 +13830,8 @@
           </a:p>
         </p:txBody>
       </p:sp>
-      <mc:AlternateContent xmlns:mc="http://schemas.openxmlformats.org/markup-compatibility/2006" xmlns:a14="http://schemas.microsoft.com/office/drawing/2010/main">
-        <mc:Choice Requires="a14">
+      <mc:AlternateContent xmlns:mc="http://schemas.openxmlformats.org/markup-compatibility/2006">
+        <mc:Choice xmlns:a14="http://schemas.microsoft.com/office/drawing/2010/main" Requires="a14">
           <p:sp>
             <p:nvSpPr>
               <p:cNvPr id="4" name="Marcador de contenido 3">
@@ -13846,12 +13850,14 @@
             </p:nvSpPr>
             <p:spPr>
               <a:xfrm>
-                <a:off x="1558373" y="2094027"/>
-                <a:ext cx="4600575" cy="593634"/>
+                <a:off x="1558373" y="2160840"/>
+                <a:ext cx="4600575" cy="399004"/>
               </a:xfrm>
             </p:spPr>
             <p:txBody>
-              <a:bodyPr/>
+              <a:bodyPr>
+                <a:noAutofit/>
+              </a:bodyPr>
               <a:lstStyle/>
               <a:p>
                 <a:pPr marL="0" indent="0">
@@ -13864,31 +13870,31 @@
                     </m:oMathParaPr>
                     <m:oMath xmlns:m="http://schemas.openxmlformats.org/officeDocument/2006/math">
                       <m:r>
-                        <a:rPr lang="es-ES" i="1">
+                        <a:rPr lang="es-ES" sz="2400" i="1">
                           <a:latin typeface="Cambria Math" panose="02040503050406030204" pitchFamily="18" charset="0"/>
                         </a:rPr>
                         <m:t>𝑦</m:t>
                       </m:r>
                       <m:r>
-                        <a:rPr lang="es-ES" i="1">
+                        <a:rPr lang="es-ES" sz="2400" i="1">
                           <a:latin typeface="Cambria Math" panose="02040503050406030204" pitchFamily="18" charset="0"/>
                         </a:rPr>
                         <m:t>=</m:t>
                       </m:r>
                       <m:r>
-                        <a:rPr lang="es-ES" i="1">
+                        <a:rPr lang="es-ES" sz="2400" i="1">
                           <a:latin typeface="Cambria Math" panose="02040503050406030204" pitchFamily="18" charset="0"/>
                         </a:rPr>
                         <m:t>𝑚𝑥</m:t>
                       </m:r>
                       <m:r>
-                        <a:rPr lang="es-ES" i="1">
+                        <a:rPr lang="es-ES" sz="2400" i="1">
                           <a:latin typeface="Cambria Math" panose="02040503050406030204" pitchFamily="18" charset="0"/>
                         </a:rPr>
                         <m:t>+</m:t>
                       </m:r>
                       <m:r>
-                        <a:rPr lang="es-ES" i="1">
+                        <a:rPr lang="es-ES" sz="2400" i="1">
                           <a:latin typeface="Cambria Math" panose="02040503050406030204" pitchFamily="18" charset="0"/>
                         </a:rPr>
                         <m:t>𝑛</m:t>
@@ -13896,15 +13902,12 @@
                     </m:oMath>
                   </m:oMathPara>
                 </a14:m>
-                <a:endParaRPr lang="es-ES" dirty="0"/>
-              </a:p>
-              <a:p>
-                <a:endParaRPr lang="es-ES" dirty="0"/>
+                <a:endParaRPr lang="es-ES" sz="2400" dirty="0"/>
               </a:p>
             </p:txBody>
           </p:sp>
         </mc:Choice>
-        <mc:Fallback xmlns="">
+        <mc:Fallback>
           <p:sp>
             <p:nvSpPr>
               <p:cNvPr id="4" name="Marcador de contenido 3">
@@ -13923,13 +13926,13 @@
             </p:nvSpPr>
             <p:spPr>
               <a:xfrm>
-                <a:off x="1558373" y="2094027"/>
-                <a:ext cx="4600575" cy="593634"/>
+                <a:off x="1558373" y="2160840"/>
+                <a:ext cx="4600575" cy="399004"/>
               </a:xfrm>
               <a:blipFill>
                 <a:blip r:embed="rId2"/>
                 <a:stretch>
-                  <a:fillRect l="-551"/>
+                  <a:fillRect l="-275" b="-15152"/>
                 </a:stretch>
               </a:blipFill>
             </p:spPr>
@@ -14497,8 +14500,8 @@
           </a:p>
         </p:txBody>
       </p:sp>
-      <mc:AlternateContent xmlns:mc="http://schemas.openxmlformats.org/markup-compatibility/2006" xmlns:a14="http://schemas.microsoft.com/office/drawing/2010/main">
-        <mc:Choice Requires="a14">
+      <mc:AlternateContent xmlns:mc="http://schemas.openxmlformats.org/markup-compatibility/2006">
+        <mc:Choice xmlns:a14="http://schemas.microsoft.com/office/drawing/2010/main" Requires="a14">
           <p:sp>
             <p:nvSpPr>
               <p:cNvPr id="4" name="Marcador de contenido 3">
@@ -14517,12 +14520,14 @@
             </p:nvSpPr>
             <p:spPr>
               <a:xfrm>
-                <a:off x="1558373" y="2094027"/>
-                <a:ext cx="4600575" cy="593634"/>
+                <a:off x="1558373" y="2160840"/>
+                <a:ext cx="4600575" cy="399004"/>
               </a:xfrm>
             </p:spPr>
             <p:txBody>
-              <a:bodyPr/>
+              <a:bodyPr>
+                <a:noAutofit/>
+              </a:bodyPr>
               <a:lstStyle/>
               <a:p>
                 <a:pPr marL="0" indent="0">
@@ -14535,55 +14540,55 @@
                     </m:oMathParaPr>
                     <m:oMath xmlns:m="http://schemas.openxmlformats.org/officeDocument/2006/math">
                       <m:r>
-                        <a:rPr lang="es-ES" i="1" smtClean="0">
+                        <a:rPr lang="es-ES" sz="2400" i="1" smtClean="0">
                           <a:latin typeface="Cambria Math" panose="02040503050406030204" pitchFamily="18" charset="0"/>
                         </a:rPr>
                         <m:t>𝑦</m:t>
                       </m:r>
                       <m:r>
-                        <a:rPr lang="es-ES" i="1" smtClean="0">
+                        <a:rPr lang="es-ES" sz="2400" i="1" smtClean="0">
                           <a:latin typeface="Cambria Math" panose="02040503050406030204" pitchFamily="18" charset="0"/>
                         </a:rPr>
                         <m:t>=</m:t>
                       </m:r>
                       <m:r>
-                        <a:rPr lang="es-ES" b="0" i="1" smtClean="0">
+                        <a:rPr lang="es-ES" sz="2400" b="0" i="1" smtClean="0">
                           <a:latin typeface="Cambria Math" panose="02040503050406030204" pitchFamily="18" charset="0"/>
                         </a:rPr>
                         <m:t>𝑎</m:t>
                       </m:r>
                       <m:r>
-                        <a:rPr lang="es-ES" i="1">
+                        <a:rPr lang="es-ES" sz="2400" i="1">
                           <a:latin typeface="Cambria Math" panose="02040503050406030204" pitchFamily="18" charset="0"/>
                         </a:rPr>
                         <m:t>𝑥</m:t>
                       </m:r>
                       <m:r>
-                        <a:rPr lang="es-ES" b="0" i="1" baseline="30000" smtClean="0">
+                        <a:rPr lang="es-ES" sz="2400" b="0" i="1" baseline="30000" smtClean="0">
                           <a:latin typeface="Cambria Math" panose="02040503050406030204" pitchFamily="18" charset="0"/>
                         </a:rPr>
                         <m:t>2</m:t>
                       </m:r>
                       <m:r>
-                        <a:rPr lang="es-ES" i="1">
+                        <a:rPr lang="es-ES" sz="2400" i="1">
                           <a:latin typeface="Cambria Math" panose="02040503050406030204" pitchFamily="18" charset="0"/>
                         </a:rPr>
                         <m:t>+</m:t>
                       </m:r>
                       <m:r>
-                        <a:rPr lang="es-ES" b="0" i="1" smtClean="0">
+                        <a:rPr lang="es-ES" sz="2400" b="0" i="1" smtClean="0">
                           <a:latin typeface="Cambria Math" panose="02040503050406030204" pitchFamily="18" charset="0"/>
                         </a:rPr>
                         <m:t>𝑏𝑥</m:t>
                       </m:r>
                       <m:r>
-                        <a:rPr lang="es-ES" b="0" i="1" smtClean="0">
+                        <a:rPr lang="es-ES" sz="2400" b="0" i="1" smtClean="0">
                           <a:latin typeface="Cambria Math" panose="02040503050406030204" pitchFamily="18" charset="0"/>
                         </a:rPr>
                         <m:t>+</m:t>
                       </m:r>
                       <m:r>
-                        <a:rPr lang="es-ES" b="0" i="1" smtClean="0">
+                        <a:rPr lang="es-ES" sz="2400" b="0" i="1" smtClean="0">
                           <a:latin typeface="Cambria Math" panose="02040503050406030204" pitchFamily="18" charset="0"/>
                         </a:rPr>
                         <m:t>𝑐</m:t>
@@ -14591,15 +14596,12 @@
                     </m:oMath>
                   </m:oMathPara>
                 </a14:m>
-                <a:endParaRPr lang="es-ES" dirty="0"/>
-              </a:p>
-              <a:p>
-                <a:endParaRPr lang="es-ES" dirty="0"/>
+                <a:endParaRPr lang="es-ES" sz="2400" dirty="0"/>
               </a:p>
             </p:txBody>
           </p:sp>
         </mc:Choice>
-        <mc:Fallback xmlns="">
+        <mc:Fallback>
           <p:sp>
             <p:nvSpPr>
               <p:cNvPr id="4" name="Marcador de contenido 3">
@@ -14618,13 +14620,13 @@
             </p:nvSpPr>
             <p:spPr>
               <a:xfrm>
-                <a:off x="1558373" y="2094027"/>
-                <a:ext cx="4600575" cy="593634"/>
+                <a:off x="1558373" y="2160840"/>
+                <a:ext cx="4600575" cy="399004"/>
               </a:xfrm>
               <a:blipFill>
                 <a:blip r:embed="rId2"/>
                 <a:stretch>
-                  <a:fillRect l="-551"/>
+                  <a:fillRect l="-275" b="-15152"/>
                 </a:stretch>
               </a:blipFill>
             </p:spPr>
@@ -15303,8 +15305,8 @@
           </a:p>
         </p:txBody>
       </p:sp>
-      <mc:AlternateContent xmlns:mc="http://schemas.openxmlformats.org/markup-compatibility/2006" xmlns:a14="http://schemas.microsoft.com/office/drawing/2010/main">
-        <mc:Choice Requires="a14">
+      <mc:AlternateContent xmlns:mc="http://schemas.openxmlformats.org/markup-compatibility/2006">
+        <mc:Choice xmlns:a14="http://schemas.microsoft.com/office/drawing/2010/main" Requires="a14">
           <p:sp>
             <p:nvSpPr>
               <p:cNvPr id="4" name="Marcador de contenido 3">
@@ -15323,12 +15325,14 @@
             </p:nvSpPr>
             <p:spPr>
               <a:xfrm>
-                <a:off x="1558373" y="2094027"/>
-                <a:ext cx="4600575" cy="593634"/>
+                <a:off x="1558373" y="2185828"/>
+                <a:ext cx="4600575" cy="399004"/>
               </a:xfrm>
             </p:spPr>
             <p:txBody>
-              <a:bodyPr/>
+              <a:bodyPr>
+                <a:noAutofit/>
+              </a:bodyPr>
               <a:lstStyle/>
               <a:p>
                 <a:pPr marL="0" indent="0">
@@ -15341,25 +15345,25 @@
                     </m:oMathParaPr>
                     <m:oMath xmlns:m="http://schemas.openxmlformats.org/officeDocument/2006/math">
                       <m:r>
-                        <a:rPr lang="es-ES" i="1" smtClean="0">
+                        <a:rPr lang="es-ES" sz="2400" i="1" smtClean="0">
                           <a:latin typeface="Cambria Math" panose="02040503050406030204" pitchFamily="18" charset="0"/>
                         </a:rPr>
                         <m:t>𝑦</m:t>
                       </m:r>
                       <m:r>
-                        <a:rPr lang="es-ES" i="1" smtClean="0">
+                        <a:rPr lang="es-ES" sz="2400" i="1" smtClean="0">
                           <a:latin typeface="Cambria Math" panose="02040503050406030204" pitchFamily="18" charset="0"/>
                         </a:rPr>
                         <m:t>=</m:t>
                       </m:r>
                       <m:r>
-                        <a:rPr lang="es-ES" b="0" i="1" smtClean="0">
+                        <a:rPr lang="es-ES" sz="2400" b="0" i="1" smtClean="0">
                           <a:latin typeface="Cambria Math" panose="02040503050406030204" pitchFamily="18" charset="0"/>
                         </a:rPr>
                         <m:t>𝐴</m:t>
                       </m:r>
                       <m:r>
-                        <a:rPr lang="es-ES" b="0" i="1" smtClean="0">
+                        <a:rPr lang="es-ES" sz="2400" b="0" i="1" smtClean="0">
                           <a:latin typeface="Cambria Math" panose="02040503050406030204" pitchFamily="18" charset="0"/>
                         </a:rPr>
                         <m:t> × </m:t>
@@ -15367,7 +15371,7 @@
                       <m:func>
                         <m:funcPr>
                           <m:ctrlPr>
-                            <a:rPr lang="es-ES" b="0" i="1" smtClean="0">
+                            <a:rPr lang="es-ES" sz="2400" b="0" i="1" smtClean="0">
                               <a:latin typeface="Cambria Math" panose="02040503050406030204" pitchFamily="18" charset="0"/>
                               <a:ea typeface="Cambria Math" panose="02040503050406030204" pitchFamily="18" charset="0"/>
                             </a:rPr>
@@ -15378,7 +15382,7 @@
                             <m:rPr>
                               <m:sty m:val="p"/>
                             </m:rPr>
-                            <a:rPr lang="es-ES" b="0" i="0" smtClean="0">
+                            <a:rPr lang="es-ES" sz="2400" b="0" i="0" smtClean="0">
                               <a:latin typeface="Cambria Math" panose="02040503050406030204" pitchFamily="18" charset="0"/>
                               <a:ea typeface="Cambria Math" panose="02040503050406030204" pitchFamily="18" charset="0"/>
                             </a:rPr>
@@ -15387,14 +15391,14 @@
                         </m:fName>
                         <m:e>
                           <m:r>
-                            <a:rPr lang="es-ES" b="0" i="1" smtClean="0">
+                            <a:rPr lang="es-ES" sz="2400" b="0" i="1" smtClean="0">
                               <a:latin typeface="Cambria Math" panose="02040503050406030204" pitchFamily="18" charset="0"/>
                               <a:ea typeface="Cambria Math" panose="02040503050406030204" pitchFamily="18" charset="0"/>
                             </a:rPr>
                             <m:t>(2</m:t>
                           </m:r>
                           <m:r>
-                            <a:rPr lang="es-ES" b="0" i="1" smtClean="0">
+                            <a:rPr lang="es-ES" sz="2400" b="0" i="1" smtClean="0">
                               <a:latin typeface="Cambria Math" panose="02040503050406030204" pitchFamily="18" charset="0"/>
                               <a:ea typeface="Cambria Math" panose="02040503050406030204" pitchFamily="18" charset="0"/>
                             </a:rPr>
@@ -15403,35 +15407,35 @@
                         </m:e>
                       </m:func>
                       <m:r>
-                        <a:rPr lang="es-ES" b="0" i="1" smtClean="0">
+                        <a:rPr lang="es-ES" sz="2400" b="0" i="1" smtClean="0">
                           <a:latin typeface="Cambria Math" panose="02040503050406030204" pitchFamily="18" charset="0"/>
                           <a:ea typeface="Cambria Math" panose="02040503050406030204" pitchFamily="18" charset="0"/>
                         </a:rPr>
                         <m:t>𝑓𝑥</m:t>
                       </m:r>
                       <m:r>
-                        <a:rPr lang="es-ES" b="0" i="1" smtClean="0">
+                        <a:rPr lang="es-ES" sz="2400" b="0" i="1" smtClean="0">
                           <a:latin typeface="Cambria Math" panose="02040503050406030204" pitchFamily="18" charset="0"/>
                           <a:ea typeface="Cambria Math" panose="02040503050406030204" pitchFamily="18" charset="0"/>
                         </a:rPr>
                         <m:t>+ </m:t>
                       </m:r>
                       <m:r>
-                        <a:rPr lang="es-ES" b="0" i="1" smtClean="0">
+                        <a:rPr lang="es-ES" sz="2400" b="0" i="1" smtClean="0">
                           <a:latin typeface="Cambria Math" panose="02040503050406030204" pitchFamily="18" charset="0"/>
                           <a:ea typeface="Cambria Math" panose="02040503050406030204" pitchFamily="18" charset="0"/>
                         </a:rPr>
                         <m:t>𝜃</m:t>
                       </m:r>
                       <m:r>
-                        <a:rPr lang="es-ES" b="0" i="1" smtClean="0">
+                        <a:rPr lang="es-ES" sz="2400" b="0" i="1" smtClean="0">
                           <a:latin typeface="Cambria Math" panose="02040503050406030204" pitchFamily="18" charset="0"/>
                           <a:ea typeface="Cambria Math" panose="02040503050406030204" pitchFamily="18" charset="0"/>
                         </a:rPr>
                         <m:t> )+</m:t>
                       </m:r>
                       <m:r>
-                        <a:rPr lang="es-ES" b="0" i="1" smtClean="0">
+                        <a:rPr lang="es-ES" sz="2400" b="0" i="1" smtClean="0">
                           <a:latin typeface="Cambria Math" panose="02040503050406030204" pitchFamily="18" charset="0"/>
                           <a:ea typeface="Cambria Math" panose="02040503050406030204" pitchFamily="18" charset="0"/>
                         </a:rPr>
@@ -15440,12 +15444,12 @@
                     </m:oMath>
                   </m:oMathPara>
                 </a14:m>
-                <a:endParaRPr lang="es-ES" dirty="0"/>
+                <a:endParaRPr lang="es-ES" sz="2400" dirty="0"/>
               </a:p>
             </p:txBody>
           </p:sp>
         </mc:Choice>
-        <mc:Fallback xmlns="">
+        <mc:Fallback>
           <p:sp>
             <p:nvSpPr>
               <p:cNvPr id="4" name="Marcador de contenido 3">
@@ -15464,13 +15468,13 @@
             </p:nvSpPr>
             <p:spPr>
               <a:xfrm>
-                <a:off x="1558373" y="2094027"/>
-                <a:ext cx="4600575" cy="593634"/>
+                <a:off x="1558373" y="2185828"/>
+                <a:ext cx="4600575" cy="399004"/>
               </a:xfrm>
               <a:blipFill>
                 <a:blip r:embed="rId2"/>
                 <a:stretch>
-                  <a:fillRect l="-551" t="-6383" b="-2128"/>
+                  <a:fillRect l="-275" t="-6250" b="-31250"/>
                 </a:stretch>
               </a:blipFill>
             </p:spPr>
@@ -16665,9 +16669,9 @@
           <p:nvPr/>
         </p:nvCxnSpPr>
         <p:spPr>
-          <a:xfrm flipV="1">
-            <a:off x="7603331" y="3176910"/>
-            <a:ext cx="783653" cy="1"/>
+          <a:xfrm>
+            <a:off x="7603331" y="3176911"/>
+            <a:ext cx="783653" cy="0"/>
           </a:xfrm>
           <a:prstGeom prst="straightConnector1">
             <a:avLst/>
@@ -16711,9 +16715,9 @@
           <p:nvPr/>
         </p:nvCxnSpPr>
         <p:spPr>
-          <a:xfrm>
-            <a:off x="7603331" y="4320543"/>
-            <a:ext cx="783653" cy="15387"/>
+          <a:xfrm flipV="1">
+            <a:off x="7603331" y="4318385"/>
+            <a:ext cx="783653" cy="2158"/>
           </a:xfrm>
           <a:prstGeom prst="straightConnector1">
             <a:avLst/>
@@ -16758,8 +16762,8 @@
         </p:nvCxnSpPr>
         <p:spPr>
           <a:xfrm flipV="1">
-            <a:off x="7603331" y="5464174"/>
-            <a:ext cx="783654" cy="1"/>
+            <a:off x="7603331" y="5459858"/>
+            <a:ext cx="783654" cy="4317"/>
           </a:xfrm>
           <a:prstGeom prst="straightConnector1">
             <a:avLst/>
@@ -16800,8 +16804,8 @@
         </p:nvSpPr>
         <p:spPr>
           <a:xfrm>
-            <a:off x="8386984" y="2961466"/>
-            <a:ext cx="1604927" cy="430887"/>
+            <a:off x="8386984" y="2946078"/>
+            <a:ext cx="1808576" cy="461665"/>
           </a:xfrm>
           <a:prstGeom prst="rect">
             <a:avLst/>
@@ -16815,7 +16819,7 @@
           <a:lstStyle/>
           <a:p>
             <a:r>
-              <a:rPr lang="es-ES" sz="2200" b="1" dirty="0"/>
+              <a:rPr lang="es-ES" sz="2400" b="1" dirty="0"/>
               <a:t>Sinusoidal</a:t>
             </a:r>
           </a:p>
@@ -16835,8 +16839,8 @@
         </p:nvSpPr>
         <p:spPr>
           <a:xfrm>
-            <a:off x="8386985" y="5248730"/>
-            <a:ext cx="1614415" cy="430887"/>
+            <a:off x="8386985" y="5229025"/>
+            <a:ext cx="1614415" cy="461665"/>
           </a:xfrm>
           <a:prstGeom prst="rect">
             <a:avLst/>
@@ -16850,7 +16854,7 @@
           <a:lstStyle/>
           <a:p>
             <a:r>
-              <a:rPr lang="es-ES" sz="2200" b="1" dirty="0"/>
+              <a:rPr lang="es-ES" sz="2400" b="1" dirty="0"/>
               <a:t>Lineal</a:t>
             </a:r>
           </a:p>
@@ -16870,8 +16874,8 @@
         </p:nvSpPr>
         <p:spPr>
           <a:xfrm>
-            <a:off x="8386984" y="4120486"/>
-            <a:ext cx="1614416" cy="430887"/>
+            <a:off x="8386984" y="4087552"/>
+            <a:ext cx="1744260" cy="461665"/>
           </a:xfrm>
           <a:prstGeom prst="rect">
             <a:avLst/>
@@ -16885,7 +16889,7 @@
           <a:lstStyle/>
           <a:p>
             <a:r>
-              <a:rPr lang="es-ES" sz="2200" b="1" dirty="0"/>
+              <a:rPr lang="es-ES" sz="2400" b="1" dirty="0"/>
               <a:t>Parabólica</a:t>
             </a:r>
           </a:p>
@@ -19452,14 +19456,14 @@
           <p:nvPr>
             <p:extLst>
               <p:ext uri="{D42A27DB-BD31-4B8C-83A1-F6EECF244321}">
-                <p14:modId xmlns:p14="http://schemas.microsoft.com/office/powerpoint/2010/main" val="4064444156"/>
+                <p14:modId xmlns:p14="http://schemas.microsoft.com/office/powerpoint/2010/main" val="275772911"/>
               </p:ext>
             </p:extLst>
           </p:nvPr>
         </p:nvGraphicFramePr>
         <p:xfrm>
-          <a:off x="1643063" y="2412363"/>
-          <a:ext cx="9115425" cy="2560320"/>
+          <a:off x="1538287" y="2687661"/>
+          <a:ext cx="9115425" cy="2743200"/>
         </p:xfrm>
         <a:graphic>
           <a:graphicData uri="http://schemas.openxmlformats.org/drawingml/2006/table">
@@ -19498,7 +19502,7 @@
                     <a:p>
                       <a:pPr algn="ctr"/>
                       <a:r>
-                        <a:rPr lang="es-ES" sz="2200" dirty="0"/>
+                        <a:rPr lang="es-ES" sz="2400" dirty="0"/>
                         <a:t>Parámetro</a:t>
                       </a:r>
                     </a:p>
@@ -19559,7 +19563,7 @@
                     <a:p>
                       <a:pPr algn="ctr"/>
                       <a:r>
-                        <a:rPr lang="es-ES" sz="2200" dirty="0"/>
+                        <a:rPr lang="es-ES" sz="2400" dirty="0"/>
                         <a:t>Valor</a:t>
                       </a:r>
                     </a:p>
@@ -19617,7 +19621,7 @@
                     <a:p>
                       <a:pPr algn="ctr"/>
                       <a:r>
-                        <a:rPr lang="es-ES" sz="2200" b="0" dirty="0"/>
+                        <a:rPr lang="es-ES" sz="2400" b="0" dirty="0"/>
                         <a:t>Gap</a:t>
                       </a:r>
                     </a:p>
@@ -19678,7 +19682,7 @@
                     <a:p>
                       <a:pPr marL="0" algn="ctr" defTabSz="914400" rtl="0" eaLnBrk="1" latinLnBrk="0" hangingPunct="1"/>
                       <a:r>
-                        <a:rPr lang="es-ES" sz="2200" b="0" kern="1200" dirty="0">
+                        <a:rPr lang="es-ES" sz="2400" b="0" kern="1200" dirty="0">
                           <a:solidFill>
                             <a:schemeClr val="tx1"/>
                           </a:solidFill>
@@ -19743,10 +19747,10 @@
                     <a:p>
                       <a:pPr algn="ctr"/>
                       <a:r>
-                        <a:rPr lang="es-ES" sz="2200" b="0" dirty="0" err="1"/>
+                        <a:rPr lang="es-ES" sz="2400" b="0" dirty="0" err="1"/>
                         <a:t>N_points</a:t>
                       </a:r>
-                      <a:endParaRPr lang="es-ES" sz="2200" b="0" dirty="0"/>
+                      <a:endParaRPr lang="es-ES" sz="2400" b="0" dirty="0"/>
                     </a:p>
                   </a:txBody>
                   <a:tcPr>
@@ -19805,7 +19809,7 @@
                     <a:p>
                       <a:pPr marL="0" algn="ctr" defTabSz="914400" rtl="0" eaLnBrk="1" latinLnBrk="0" hangingPunct="1"/>
                       <a:r>
-                        <a:rPr lang="es-ES" sz="2200" b="0" kern="1200" dirty="0">
+                        <a:rPr lang="es-ES" sz="2400" b="0" kern="1200" dirty="0">
                           <a:solidFill>
                             <a:schemeClr val="tx1"/>
                           </a:solidFill>
@@ -19870,7 +19874,7 @@
                     <a:p>
                       <a:pPr algn="ctr"/>
                       <a:r>
-                        <a:rPr lang="es-ES" sz="2200" b="0" dirty="0"/>
+                        <a:rPr lang="es-ES" sz="2400" b="0" dirty="0"/>
                         <a:t>División de subconjuntos</a:t>
                       </a:r>
                     </a:p>
@@ -19921,7 +19925,7 @@
                     <a:p>
                       <a:pPr algn="ctr"/>
                       <a:r>
-                        <a:rPr lang="es-ES" sz="2200" b="0" dirty="0"/>
+                        <a:rPr lang="es-ES" sz="2400" b="0" dirty="0"/>
                         <a:t>Train</a:t>
                       </a:r>
                     </a:p>
@@ -19972,7 +19976,7 @@
                     <a:p>
                       <a:pPr marL="0" algn="ctr" defTabSz="914400" rtl="0" eaLnBrk="1" latinLnBrk="0" hangingPunct="1"/>
                       <a:r>
-                        <a:rPr lang="es-ES" sz="2200" b="0" kern="1200" dirty="0">
+                        <a:rPr lang="es-ES" sz="2400" b="0" kern="1200" dirty="0">
                           <a:solidFill>
                             <a:schemeClr val="tx1"/>
                           </a:solidFill>
@@ -20085,10 +20089,10 @@
                     <a:p>
                       <a:pPr algn="ctr"/>
                       <a:r>
-                        <a:rPr lang="es-ES" sz="2200" b="0" dirty="0" err="1"/>
+                        <a:rPr lang="es-ES" sz="2400" b="0" dirty="0" err="1"/>
                         <a:t>Validation</a:t>
                       </a:r>
-                      <a:endParaRPr lang="es-ES" sz="2200" b="0" dirty="0"/>
+                      <a:endParaRPr lang="es-ES" sz="2400" b="0" dirty="0"/>
                     </a:p>
                   </a:txBody>
                   <a:tcPr>
@@ -20137,7 +20141,7 @@
                     <a:p>
                       <a:pPr marL="0" algn="ctr" defTabSz="914400" rtl="0" eaLnBrk="1" latinLnBrk="0" hangingPunct="1"/>
                       <a:r>
-                        <a:rPr lang="es-ES" sz="2200" b="0" kern="1200" dirty="0">
+                        <a:rPr lang="es-ES" sz="2400" b="0" kern="1200" dirty="0">
                           <a:solidFill>
                             <a:schemeClr val="tx1"/>
                           </a:solidFill>
@@ -20250,7 +20254,7 @@
                     <a:p>
                       <a:pPr algn="ctr"/>
                       <a:r>
-                        <a:rPr lang="es-ES" sz="2200" b="0" dirty="0"/>
+                        <a:rPr lang="es-ES" sz="2400" b="0" dirty="0"/>
                         <a:t>Test</a:t>
                       </a:r>
                     </a:p>
@@ -20301,7 +20305,7 @@
                     <a:p>
                       <a:pPr marL="0" algn="ctr" defTabSz="914400" rtl="0" eaLnBrk="1" latinLnBrk="0" hangingPunct="1"/>
                       <a:r>
-                        <a:rPr lang="es-ES" sz="2200" b="0" kern="1200" dirty="0">
+                        <a:rPr lang="es-ES" sz="2400" b="0" kern="1200" dirty="0">
                           <a:solidFill>
                             <a:schemeClr val="tx1"/>
                           </a:solidFill>
@@ -22202,18 +22206,20 @@
           </a:xfrm>
         </p:spPr>
         <p:txBody>
-          <a:bodyPr/>
+          <a:bodyPr>
+            <a:normAutofit/>
+          </a:bodyPr>
           <a:lstStyle/>
           <a:p>
             <a:pPr marL="0" indent="0" algn="ctr">
               <a:buNone/>
             </a:pPr>
             <a:r>
-              <a:rPr lang="es-ES" dirty="0" err="1"/>
+              <a:rPr lang="es-ES" sz="2400" dirty="0" err="1"/>
               <a:t>Perceptrón</a:t>
             </a:r>
             <a:r>
-              <a:rPr lang="es-ES" dirty="0"/>
+              <a:rPr lang="es-ES" sz="2400" dirty="0"/>
               <a:t> multicapa </a:t>
             </a:r>
           </a:p>
@@ -22222,7 +22228,7 @@
               <a:buNone/>
             </a:pPr>
             <a:r>
-              <a:rPr lang="es-ES" b="1" dirty="0"/>
+              <a:rPr lang="es-ES" sz="2400" b="1" dirty="0"/>
               <a:t>MLP</a:t>
             </a:r>
           </a:p>
@@ -22251,30 +22257,32 @@
           </a:xfrm>
         </p:spPr>
         <p:txBody>
-          <a:bodyPr/>
+          <a:bodyPr>
+            <a:normAutofit/>
+          </a:bodyPr>
           <a:lstStyle/>
           <a:p>
             <a:pPr marL="0" indent="0" algn="ctr">
               <a:buNone/>
             </a:pPr>
             <a:r>
-              <a:rPr lang="es-ES" dirty="0"/>
+              <a:rPr lang="es-ES" sz="2400" dirty="0"/>
               <a:t>Long-Short </a:t>
             </a:r>
             <a:r>
-              <a:rPr lang="es-ES" dirty="0" err="1"/>
+              <a:rPr lang="es-ES" sz="2400" dirty="0" err="1"/>
               <a:t>Term</a:t>
             </a:r>
             <a:r>
-              <a:rPr lang="es-ES" dirty="0"/>
+              <a:rPr lang="es-ES" sz="2400" dirty="0"/>
               <a:t> </a:t>
             </a:r>
             <a:r>
-              <a:rPr lang="es-ES" dirty="0" err="1"/>
+              <a:rPr lang="es-ES" sz="2400" dirty="0" err="1"/>
               <a:t>Memory</a:t>
             </a:r>
             <a:r>
-              <a:rPr lang="es-ES" dirty="0"/>
+              <a:rPr lang="es-ES" sz="2400" dirty="0"/>
               <a:t> </a:t>
             </a:r>
           </a:p>
@@ -22283,7 +22291,7 @@
               <a:buNone/>
             </a:pPr>
             <a:r>
-              <a:rPr lang="es-ES" b="1" dirty="0"/>
+              <a:rPr lang="es-ES" sz="2400" b="1" dirty="0"/>
               <a:t>LSTM</a:t>
             </a:r>
           </a:p>
@@ -22591,7 +22599,7 @@
           <a:lstStyle/>
           <a:p>
             <a:r>
-              <a:rPr lang="es-ES" sz="2200" dirty="0"/>
+              <a:rPr lang="es-ES" sz="2400" dirty="0"/>
               <a:t>1 capa oculta con 10 neuronas.</a:t>
             </a:r>
           </a:p>
@@ -22774,11 +22782,17 @@
           <p:cNvGraphicFramePr>
             <a:graphicFrameLocks/>
           </p:cNvGraphicFramePr>
-          <p:nvPr/>
+          <p:nvPr>
+            <p:extLst>
+              <p:ext uri="{D42A27DB-BD31-4B8C-83A1-F6EECF244321}">
+                <p14:modId xmlns:p14="http://schemas.microsoft.com/office/powerpoint/2010/main" val="634421350"/>
+              </p:ext>
+            </p:extLst>
+          </p:nvPr>
         </p:nvGraphicFramePr>
         <p:xfrm>
-          <a:off x="5260276" y="2281998"/>
-          <a:ext cx="6093524" cy="2966720"/>
+          <a:off x="5008871" y="2281998"/>
+          <a:ext cx="6507480" cy="3413760"/>
         </p:xfrm>
         <a:graphic>
           <a:graphicData uri="http://schemas.openxmlformats.org/drawingml/2006/table">
@@ -22787,21 +22801,21 @@
                 <a:tableStyleId>{72833802-FEF1-4C79-8D5D-14CF1EAF98D9}</a:tableStyleId>
               </a:tblPr>
               <a:tblGrid>
-                <a:gridCol w="1350074">
+                <a:gridCol w="1706880">
                   <a:extLst>
                     <a:ext uri="{9D8B030D-6E8A-4147-A177-3AD203B41FA5}">
                       <a16:colId xmlns:a16="http://schemas.microsoft.com/office/drawing/2014/main" val="2275283652"/>
                     </a:ext>
                   </a:extLst>
                 </a:gridCol>
-                <a:gridCol w="1285875">
+                <a:gridCol w="1158240">
                   <a:extLst>
                     <a:ext uri="{9D8B030D-6E8A-4147-A177-3AD203B41FA5}">
                       <a16:colId xmlns:a16="http://schemas.microsoft.com/office/drawing/2014/main" val="1969023984"/>
                     </a:ext>
                   </a:extLst>
                 </a:gridCol>
-                <a:gridCol w="3457575">
+                <a:gridCol w="3642360">
                   <a:extLst>
                     <a:ext uri="{9D8B030D-6E8A-4147-A177-3AD203B41FA5}">
                       <a16:colId xmlns:a16="http://schemas.microsoft.com/office/drawing/2014/main" val="1770816400"/>
@@ -22817,7 +22831,7 @@
                     <a:p>
                       <a:pPr algn="ctr"/>
                       <a:r>
-                        <a:rPr lang="es-ES" dirty="0"/>
+                        <a:rPr lang="es-ES" sz="2200" dirty="0"/>
                         <a:t>DINÁMICA</a:t>
                       </a:r>
                     </a:p>
@@ -22915,7 +22929,7 @@
                     <a:p>
                       <a:pPr algn="ctr"/>
                       <a:r>
-                        <a:rPr lang="es-ES" dirty="0"/>
+                        <a:rPr lang="es-ES" sz="2200" dirty="0"/>
                         <a:t>MEDIA ERROR RELATIVO</a:t>
                       </a:r>
                     </a:p>
@@ -22973,7 +22987,7 @@
                     <a:p>
                       <a:pPr algn="ctr"/>
                       <a:r>
-                        <a:rPr lang="es-ES" dirty="0"/>
+                        <a:rPr lang="es-ES" sz="2200" dirty="0"/>
                         <a:t>Lineal</a:t>
                       </a:r>
                     </a:p>
@@ -23024,7 +23038,7 @@
                     <a:p>
                       <a:pPr algn="ctr"/>
                       <a:r>
-                        <a:rPr lang="es-ES" dirty="0"/>
+                        <a:rPr lang="es-ES" sz="2200" dirty="0"/>
                         <a:t>1 DOF</a:t>
                       </a:r>
                     </a:p>
@@ -23075,7 +23089,7 @@
                     <a:p>
                       <a:pPr algn="ctr"/>
                       <a:r>
-                        <a:rPr lang="es-ES" dirty="0"/>
+                        <a:rPr lang="es-ES" sz="2200" dirty="0"/>
                         <a:t>0.21 %</a:t>
                       </a:r>
                     </a:p>
@@ -23183,7 +23197,7 @@
                     <a:p>
                       <a:pPr algn="ctr"/>
                       <a:r>
-                        <a:rPr lang="es-ES" dirty="0"/>
+                        <a:rPr lang="es-ES" sz="2200" dirty="0"/>
                         <a:t>2 DOF</a:t>
                       </a:r>
                     </a:p>
@@ -23234,7 +23248,7 @@
                     <a:p>
                       <a:pPr algn="ctr"/>
                       <a:r>
-                        <a:rPr lang="es-ES" dirty="0"/>
+                        <a:rPr lang="es-ES" sz="2200" dirty="0"/>
                         <a:t>0.31 %</a:t>
                       </a:r>
                     </a:p>
@@ -23295,7 +23309,7 @@
                     <a:p>
                       <a:pPr algn="ctr"/>
                       <a:r>
-                        <a:rPr lang="es-ES" dirty="0"/>
+                        <a:rPr lang="es-ES" sz="2200" dirty="0"/>
                         <a:t>Parabólica</a:t>
                       </a:r>
                     </a:p>
@@ -23346,7 +23360,7 @@
                     <a:p>
                       <a:pPr algn="ctr"/>
                       <a:r>
-                        <a:rPr lang="es-ES" dirty="0"/>
+                        <a:rPr lang="es-ES" sz="2200" dirty="0"/>
                         <a:t>1 DOF</a:t>
                       </a:r>
                     </a:p>
@@ -23397,7 +23411,7 @@
                     <a:p>
                       <a:pPr algn="ctr"/>
                       <a:r>
-                        <a:rPr lang="es-ES" dirty="0"/>
+                        <a:rPr lang="es-ES" sz="2200" dirty="0"/>
                         <a:t>0.28 %</a:t>
                       </a:r>
                     </a:p>
@@ -23505,7 +23519,7 @@
                     <a:p>
                       <a:pPr algn="ctr"/>
                       <a:r>
-                        <a:rPr lang="es-ES" dirty="0"/>
+                        <a:rPr lang="es-ES" sz="2200" dirty="0"/>
                         <a:t>2 DOF</a:t>
                       </a:r>
                     </a:p>
@@ -23556,7 +23570,7 @@
                     <a:p>
                       <a:pPr algn="ctr"/>
                       <a:r>
-                        <a:rPr lang="es-ES" dirty="0"/>
+                        <a:rPr lang="es-ES" sz="2200" dirty="0"/>
                         <a:t>0.42 %</a:t>
                       </a:r>
                     </a:p>
@@ -23664,7 +23678,7 @@
                     <a:p>
                       <a:pPr algn="ctr"/>
                       <a:r>
-                        <a:rPr lang="es-ES" dirty="0"/>
+                        <a:rPr lang="es-ES" sz="2200" dirty="0"/>
                         <a:t>3 DOF</a:t>
                       </a:r>
                     </a:p>
@@ -23715,7 +23729,7 @@
                     <a:p>
                       <a:pPr algn="ctr"/>
                       <a:r>
-                        <a:rPr lang="es-ES" dirty="0"/>
+                        <a:rPr lang="es-ES" sz="2200" dirty="0"/>
                         <a:t>0.65 %</a:t>
                       </a:r>
                     </a:p>
@@ -23776,7 +23790,7 @@
                     <a:p>
                       <a:pPr algn="ctr"/>
                       <a:r>
-                        <a:rPr lang="es-ES" dirty="0"/>
+                        <a:rPr lang="es-ES" sz="2200" dirty="0"/>
                         <a:t>Sinusoidal</a:t>
                       </a:r>
                     </a:p>
@@ -23827,7 +23841,7 @@
                     <a:p>
                       <a:pPr algn="ctr"/>
                       <a:r>
-                        <a:rPr lang="es-ES" dirty="0"/>
+                        <a:rPr lang="es-ES" sz="2200" dirty="0"/>
                         <a:t>1 DOF</a:t>
                       </a:r>
                     </a:p>
@@ -23878,7 +23892,7 @@
                     <a:p>
                       <a:pPr algn="ctr"/>
                       <a:r>
-                        <a:rPr lang="es-ES" dirty="0"/>
+                        <a:rPr lang="es-ES" sz="2200" dirty="0"/>
                         <a:t>0.54 %</a:t>
                       </a:r>
                     </a:p>
@@ -23986,7 +24000,7 @@
                     <a:p>
                       <a:pPr algn="ctr"/>
                       <a:r>
-                        <a:rPr lang="es-ES" dirty="0"/>
+                        <a:rPr lang="es-ES" sz="2200" dirty="0"/>
                         <a:t>2 DOF</a:t>
                       </a:r>
                     </a:p>
@@ -24037,7 +24051,7 @@
                     <a:p>
                       <a:pPr algn="ctr"/>
                       <a:r>
-                        <a:rPr lang="es-ES" dirty="0"/>
+                        <a:rPr lang="es-ES" sz="2200" dirty="0"/>
                         <a:t>3.89 %</a:t>
                       </a:r>
                     </a:p>
@@ -24301,7 +24315,7 @@
           <a:lstStyle/>
           <a:p>
             <a:r>
-              <a:rPr lang="es-ES" sz="2200" dirty="0"/>
+              <a:rPr lang="es-ES" sz="2400" dirty="0"/>
               <a:t>1 capa LSTM con 25 neuronas.</a:t>
             </a:r>
           </a:p>
@@ -24486,14 +24500,14 @@
           <p:nvPr>
             <p:extLst>
               <p:ext uri="{D42A27DB-BD31-4B8C-83A1-F6EECF244321}">
-                <p14:modId xmlns:p14="http://schemas.microsoft.com/office/powerpoint/2010/main" val="2991409643"/>
+                <p14:modId xmlns:p14="http://schemas.microsoft.com/office/powerpoint/2010/main" val="367354491"/>
               </p:ext>
             </p:extLst>
           </p:nvPr>
         </p:nvGraphicFramePr>
         <p:xfrm>
-          <a:off x="5195888" y="2073252"/>
-          <a:ext cx="6157912" cy="3708400"/>
+          <a:off x="4973194" y="1885318"/>
+          <a:ext cx="6700646" cy="4267200"/>
         </p:xfrm>
         <a:graphic>
           <a:graphicData uri="http://schemas.openxmlformats.org/drawingml/2006/table">
@@ -24502,21 +24516,21 @@
                 <a:tableStyleId>{72833802-FEF1-4C79-8D5D-14CF1EAF98D9}</a:tableStyleId>
               </a:tblPr>
               <a:tblGrid>
-                <a:gridCol w="1453771">
+                <a:gridCol w="1544003">
                   <a:extLst>
                     <a:ext uri="{9D8B030D-6E8A-4147-A177-3AD203B41FA5}">
                       <a16:colId xmlns:a16="http://schemas.microsoft.com/office/drawing/2014/main" val="2275283652"/>
                     </a:ext>
                   </a:extLst>
                 </a:gridCol>
-                <a:gridCol w="1075116">
+                <a:gridCol w="1173480">
                   <a:extLst>
                     <a:ext uri="{9D8B030D-6E8A-4147-A177-3AD203B41FA5}">
                       <a16:colId xmlns:a16="http://schemas.microsoft.com/office/drawing/2014/main" val="1969023984"/>
                     </a:ext>
                   </a:extLst>
                 </a:gridCol>
-                <a:gridCol w="3629025">
+                <a:gridCol w="3983163">
                   <a:extLst>
                     <a:ext uri="{9D8B030D-6E8A-4147-A177-3AD203B41FA5}">
                       <a16:colId xmlns:a16="http://schemas.microsoft.com/office/drawing/2014/main" val="1770816400"/>
@@ -24532,7 +24546,7 @@
                     <a:p>
                       <a:pPr algn="ctr"/>
                       <a:r>
-                        <a:rPr lang="es-ES" dirty="0"/>
+                        <a:rPr lang="es-ES" sz="2200" dirty="0"/>
                         <a:t>DINÁMICA</a:t>
                       </a:r>
                     </a:p>
@@ -24630,7 +24644,7 @@
                     <a:p>
                       <a:pPr algn="ctr"/>
                       <a:r>
-                        <a:rPr lang="es-ES" dirty="0"/>
+                        <a:rPr lang="es-ES" sz="2200" dirty="0"/>
                         <a:t>MEDIA ERROR RELATIVO</a:t>
                       </a:r>
                     </a:p>
@@ -24688,7 +24702,7 @@
                     <a:p>
                       <a:pPr algn="ctr"/>
                       <a:r>
-                        <a:rPr lang="es-ES" dirty="0"/>
+                        <a:rPr lang="es-ES" sz="2200" dirty="0"/>
                         <a:t>Lineal</a:t>
                       </a:r>
                     </a:p>
@@ -24739,7 +24753,7 @@
                     <a:p>
                       <a:pPr algn="ctr"/>
                       <a:r>
-                        <a:rPr lang="es-ES" dirty="0"/>
+                        <a:rPr lang="es-ES" sz="2200" dirty="0"/>
                         <a:t>1 DOF</a:t>
                       </a:r>
                     </a:p>
@@ -24790,7 +24804,7 @@
                     <a:p>
                       <a:pPr algn="ctr"/>
                       <a:r>
-                        <a:rPr lang="es-ES" dirty="0"/>
+                        <a:rPr lang="es-ES" sz="2200" dirty="0"/>
                         <a:t>0.16 %</a:t>
                       </a:r>
                     </a:p>
@@ -24898,7 +24912,7 @@
                     <a:p>
                       <a:pPr algn="ctr"/>
                       <a:r>
-                        <a:rPr lang="es-ES" dirty="0"/>
+                        <a:rPr lang="es-ES" sz="2200" dirty="0"/>
                         <a:t>2 DOF</a:t>
                       </a:r>
                     </a:p>
@@ -24949,7 +24963,7 @@
                     <a:p>
                       <a:pPr algn="ctr"/>
                       <a:r>
-                        <a:rPr lang="es-ES" dirty="0"/>
+                        <a:rPr lang="es-ES" sz="2200" dirty="0"/>
                         <a:t>0.25 %</a:t>
                       </a:r>
                     </a:p>
@@ -25010,7 +25024,7 @@
                     <a:p>
                       <a:pPr algn="ctr"/>
                       <a:r>
-                        <a:rPr lang="es-ES" dirty="0"/>
+                        <a:rPr lang="es-ES" sz="2200" dirty="0"/>
                         <a:t>Parabólica</a:t>
                       </a:r>
                     </a:p>
@@ -25061,7 +25075,7 @@
                     <a:p>
                       <a:pPr algn="ctr"/>
                       <a:r>
-                        <a:rPr lang="es-ES" dirty="0"/>
+                        <a:rPr lang="es-ES" sz="2200" dirty="0"/>
                         <a:t>1 DOF</a:t>
                       </a:r>
                     </a:p>
@@ -25112,7 +25126,7 @@
                     <a:p>
                       <a:pPr algn="ctr"/>
                       <a:r>
-                        <a:rPr lang="es-ES" dirty="0"/>
+                        <a:rPr lang="es-ES" sz="2200" dirty="0"/>
                         <a:t>0.12 %</a:t>
                       </a:r>
                     </a:p>
@@ -25220,7 +25234,7 @@
                     <a:p>
                       <a:pPr algn="ctr"/>
                       <a:r>
-                        <a:rPr lang="es-ES" dirty="0"/>
+                        <a:rPr lang="es-ES" sz="2200" dirty="0"/>
                         <a:t>2 DOF</a:t>
                       </a:r>
                     </a:p>
@@ -25271,7 +25285,7 @@
                     <a:p>
                       <a:pPr algn="ctr"/>
                       <a:r>
-                        <a:rPr lang="es-ES" dirty="0"/>
+                        <a:rPr lang="es-ES" sz="2200" dirty="0"/>
                         <a:t>0.35 %</a:t>
                       </a:r>
                     </a:p>
@@ -25379,7 +25393,7 @@
                     <a:p>
                       <a:pPr algn="ctr"/>
                       <a:r>
-                        <a:rPr lang="es-ES" dirty="0"/>
+                        <a:rPr lang="es-ES" sz="2200" dirty="0"/>
                         <a:t>3 DOF</a:t>
                       </a:r>
                     </a:p>
@@ -25430,7 +25444,7 @@
                     <a:p>
                       <a:pPr algn="ctr"/>
                       <a:r>
-                        <a:rPr lang="es-ES" dirty="0"/>
+                        <a:rPr lang="es-ES" sz="2200" dirty="0"/>
                         <a:t>0.58%</a:t>
                       </a:r>
                     </a:p>
@@ -25491,7 +25505,7 @@
                     <a:p>
                       <a:pPr algn="ctr"/>
                       <a:r>
-                        <a:rPr lang="es-ES" dirty="0"/>
+                        <a:rPr lang="es-ES" sz="2200" dirty="0"/>
                         <a:t>Sinusoidal</a:t>
                       </a:r>
                     </a:p>
@@ -25542,7 +25556,7 @@
                     <a:p>
                       <a:pPr algn="ctr"/>
                       <a:r>
-                        <a:rPr lang="es-ES" dirty="0"/>
+                        <a:rPr lang="es-ES" sz="2200" dirty="0"/>
                         <a:t>1 DOF</a:t>
                       </a:r>
                     </a:p>
@@ -25593,7 +25607,7 @@
                     <a:p>
                       <a:pPr algn="ctr"/>
                       <a:r>
-                        <a:rPr lang="es-ES" dirty="0"/>
+                        <a:rPr lang="es-ES" sz="2200" dirty="0"/>
                         <a:t>0.42 %</a:t>
                       </a:r>
                     </a:p>
@@ -25701,7 +25715,7 @@
                     <a:p>
                       <a:pPr algn="ctr"/>
                       <a:r>
-                        <a:rPr lang="es-ES" dirty="0"/>
+                        <a:rPr lang="es-ES" sz="2200" dirty="0"/>
                         <a:t>2 DOF</a:t>
                       </a:r>
                     </a:p>
@@ -25752,7 +25766,7 @@
                     <a:p>
                       <a:pPr algn="ctr"/>
                       <a:r>
-                        <a:rPr lang="es-ES" dirty="0"/>
+                        <a:rPr lang="es-ES" sz="2200" dirty="0"/>
                         <a:t>0.89 %</a:t>
                       </a:r>
                     </a:p>
@@ -25861,7 +25875,7 @@
                     <a:p>
                       <a:pPr algn="ctr"/>
                       <a:r>
-                        <a:rPr lang="es-ES" dirty="0"/>
+                        <a:rPr lang="es-ES" sz="2200" dirty="0"/>
                         <a:t>3 DOF</a:t>
                       </a:r>
                     </a:p>
@@ -25912,7 +25926,7 @@
                     <a:p>
                       <a:pPr algn="ctr"/>
                       <a:r>
-                        <a:rPr lang="es-ES" dirty="0"/>
+                        <a:rPr lang="es-ES" sz="2200" dirty="0"/>
                         <a:t>0.84 %</a:t>
                       </a:r>
                     </a:p>
@@ -26021,7 +26035,7 @@
                     <a:p>
                       <a:pPr algn="ctr"/>
                       <a:r>
-                        <a:rPr lang="es-ES" dirty="0"/>
+                        <a:rPr lang="es-ES" sz="2200" dirty="0"/>
                         <a:t>4 DOF</a:t>
                       </a:r>
                     </a:p>
@@ -26072,7 +26086,7 @@
                     <a:p>
                       <a:pPr algn="ctr"/>
                       <a:r>
-                        <a:rPr lang="es-ES" dirty="0"/>
+                        <a:rPr lang="es-ES" sz="2200" dirty="0"/>
                         <a:t>4.1 %</a:t>
                       </a:r>
                     </a:p>
@@ -26147,7 +26161,7 @@
         </p:nvSpPr>
         <p:spPr>
           <a:xfrm>
-            <a:off x="838200" y="3102576"/>
+            <a:off x="822526" y="3481343"/>
             <a:ext cx="3832776" cy="1325563"/>
           </a:xfrm>
         </p:spPr>
@@ -26532,7 +26546,7 @@
           </a:ln>
         </p:spPr>
         <p:txBody>
-          <a:bodyPr vert="horz" lIns="91440" tIns="45720" rIns="91440" bIns="45720" rtlCol="0">
+          <a:bodyPr vert="horz" lIns="91440" tIns="45720" rIns="91440" bIns="45720" rtlCol="0" anchor="ctr">
             <a:normAutofit fontScale="92500"/>
           </a:bodyPr>
           <a:lstStyle>
@@ -26886,7 +26900,7 @@
           <a:lstStyle/>
           <a:p>
             <a:r>
-              <a:rPr lang="es-ES" sz="2200" dirty="0"/>
+              <a:rPr lang="es-ES" sz="2400" dirty="0"/>
               <a:t>4 capas LSTM con 70, 40, 25 y 15  neuronas.</a:t>
             </a:r>
           </a:p>
@@ -27148,14 +27162,14 @@
           <p:nvPr>
             <p:extLst>
               <p:ext uri="{D42A27DB-BD31-4B8C-83A1-F6EECF244321}">
-                <p14:modId xmlns:p14="http://schemas.microsoft.com/office/powerpoint/2010/main" val="3308302455"/>
+                <p14:modId xmlns:p14="http://schemas.microsoft.com/office/powerpoint/2010/main" val="3784516898"/>
               </p:ext>
             </p:extLst>
           </p:nvPr>
         </p:nvGraphicFramePr>
         <p:xfrm>
-          <a:off x="5190088" y="2826752"/>
-          <a:ext cx="6163712" cy="1854200"/>
+          <a:off x="5352639" y="2826752"/>
+          <a:ext cx="6163712" cy="2468880"/>
         </p:xfrm>
         <a:graphic>
           <a:graphicData uri="http://schemas.openxmlformats.org/drawingml/2006/table">
@@ -27164,21 +27178,21 @@
                 <a:tableStyleId>{72833802-FEF1-4C79-8D5D-14CF1EAF98D9}</a:tableStyleId>
               </a:tblPr>
               <a:tblGrid>
-                <a:gridCol w="1543051">
+                <a:gridCol w="1683152">
                   <a:extLst>
                     <a:ext uri="{9D8B030D-6E8A-4147-A177-3AD203B41FA5}">
                       <a16:colId xmlns:a16="http://schemas.microsoft.com/office/drawing/2014/main" val="2275283652"/>
                     </a:ext>
                   </a:extLst>
                 </a:gridCol>
-                <a:gridCol w="1172696">
+                <a:gridCol w="1066800">
                   <a:extLst>
                     <a:ext uri="{9D8B030D-6E8A-4147-A177-3AD203B41FA5}">
                       <a16:colId xmlns:a16="http://schemas.microsoft.com/office/drawing/2014/main" val="1969023984"/>
                     </a:ext>
                   </a:extLst>
                 </a:gridCol>
-                <a:gridCol w="3447965">
+                <a:gridCol w="3413760">
                   <a:extLst>
                     <a:ext uri="{9D8B030D-6E8A-4147-A177-3AD203B41FA5}">
                       <a16:colId xmlns:a16="http://schemas.microsoft.com/office/drawing/2014/main" val="1770816400"/>
@@ -27194,7 +27208,7 @@
                     <a:p>
                       <a:pPr algn="ctr"/>
                       <a:r>
-                        <a:rPr lang="es-ES" dirty="0"/>
+                        <a:rPr lang="es-ES" sz="2200" dirty="0"/>
                         <a:t>DINÁMICA</a:t>
                       </a:r>
                     </a:p>
@@ -27292,7 +27306,7 @@
                     <a:p>
                       <a:pPr algn="ctr"/>
                       <a:r>
-                        <a:rPr lang="es-ES" dirty="0"/>
+                        <a:rPr lang="es-ES" sz="2200" dirty="0"/>
                         <a:t>MEDIA ERROR RELATIVO</a:t>
                       </a:r>
                     </a:p>
@@ -27350,7 +27364,7 @@
                     <a:p>
                       <a:pPr algn="ctr"/>
                       <a:r>
-                        <a:rPr lang="es-ES" dirty="0"/>
+                        <a:rPr lang="es-ES" sz="2200" dirty="0"/>
                         <a:t>Lineal</a:t>
                       </a:r>
                     </a:p>
@@ -27401,7 +27415,7 @@
                     <a:p>
                       <a:pPr algn="ctr"/>
                       <a:r>
-                        <a:rPr lang="es-ES" dirty="0"/>
+                        <a:rPr lang="es-ES" sz="2200" dirty="0"/>
                         <a:t>2 DOF</a:t>
                       </a:r>
                     </a:p>
@@ -27452,7 +27466,7 @@
                     <a:p>
                       <a:pPr algn="ctr"/>
                       <a:r>
-                        <a:rPr lang="es-ES" dirty="0"/>
+                        <a:rPr lang="es-ES" sz="2200" dirty="0"/>
                         <a:t>0.12 %</a:t>
                       </a:r>
                     </a:p>
@@ -27513,7 +27527,7 @@
                     <a:p>
                       <a:pPr algn="ctr"/>
                       <a:r>
-                        <a:rPr lang="es-ES" dirty="0"/>
+                        <a:rPr lang="es-ES" sz="2200" dirty="0"/>
                         <a:t>Parabólica</a:t>
                       </a:r>
                     </a:p>
@@ -27564,7 +27578,7 @@
                     <a:p>
                       <a:pPr algn="ctr"/>
                       <a:r>
-                        <a:rPr lang="es-ES" dirty="0"/>
+                        <a:rPr lang="es-ES" sz="2200" dirty="0"/>
                         <a:t>3 DOF</a:t>
                       </a:r>
                     </a:p>
@@ -27615,7 +27629,7 @@
                     <a:p>
                       <a:pPr algn="ctr"/>
                       <a:r>
-                        <a:rPr lang="es-ES" dirty="0"/>
+                        <a:rPr lang="es-ES" sz="2200" dirty="0"/>
                         <a:t>0.5%</a:t>
                       </a:r>
                     </a:p>
@@ -27676,7 +27690,7 @@
                     <a:p>
                       <a:pPr algn="ctr"/>
                       <a:r>
-                        <a:rPr lang="es-ES" dirty="0"/>
+                        <a:rPr lang="es-ES" sz="2200" dirty="0"/>
                         <a:t>Sinusoidal</a:t>
                       </a:r>
                     </a:p>
@@ -27727,7 +27741,7 @@
                     <a:p>
                       <a:pPr algn="ctr"/>
                       <a:r>
-                        <a:rPr lang="es-ES" dirty="0"/>
+                        <a:rPr lang="es-ES" sz="2200" dirty="0"/>
                         <a:t>4 DOF</a:t>
                       </a:r>
                     </a:p>
@@ -27778,7 +27792,7 @@
                     <a:p>
                       <a:pPr algn="ctr"/>
                       <a:r>
-                        <a:rPr lang="es-ES" dirty="0"/>
+                        <a:rPr lang="es-ES" sz="2200" dirty="0"/>
                         <a:t>0.61 %</a:t>
                       </a:r>
                     </a:p>
@@ -27839,7 +27853,7 @@
                     <a:p>
                       <a:pPr algn="ctr"/>
                       <a:r>
-                        <a:rPr lang="es-ES" dirty="0"/>
+                        <a:rPr lang="es-ES" sz="2200" dirty="0"/>
                         <a:t>Combinada</a:t>
                       </a:r>
                     </a:p>
@@ -27938,7 +27952,7 @@
                     <a:p>
                       <a:pPr algn="ctr"/>
                       <a:r>
-                        <a:rPr lang="es-ES" dirty="0"/>
+                        <a:rPr lang="es-ES" sz="2200" dirty="0"/>
                         <a:t>0.81 %</a:t>
                       </a:r>
                     </a:p>
@@ -28013,8 +28027,8 @@
         </p:nvSpPr>
         <p:spPr>
           <a:xfrm>
-            <a:off x="838200" y="3102576"/>
-            <a:ext cx="3832776" cy="1325563"/>
+            <a:off x="838200" y="3555080"/>
+            <a:ext cx="3832776" cy="1012224"/>
           </a:xfrm>
         </p:spPr>
         <p:txBody>
@@ -30168,7 +30182,7 @@
           <a:p>
             <a:pPr algn="r"/>
             <a:r>
-              <a:rPr lang="en-US" kern="1200">
+              <a:rPr lang="en-US" kern="1200" dirty="0">
                 <a:solidFill>
                   <a:srgbClr val="FFFFFF"/>
                 </a:solidFill>
@@ -31052,18 +31066,20 @@
           </a:xfrm>
         </p:spPr>
         <p:txBody>
-          <a:bodyPr/>
+          <a:bodyPr>
+            <a:normAutofit/>
+          </a:bodyPr>
           <a:lstStyle/>
           <a:p>
             <a:pPr marL="0" indent="0" algn="ctr">
               <a:buNone/>
             </a:pPr>
             <a:r>
-              <a:rPr lang="es-ES" dirty="0" err="1"/>
+              <a:rPr lang="es-ES" sz="2400" dirty="0" err="1"/>
               <a:t>Convolutional</a:t>
             </a:r>
             <a:r>
-              <a:rPr lang="es-ES" dirty="0"/>
+              <a:rPr lang="es-ES" sz="2400" dirty="0"/>
               <a:t> Neural Network</a:t>
             </a:r>
           </a:p>
@@ -31072,7 +31088,7 @@
               <a:buNone/>
             </a:pPr>
             <a:r>
-              <a:rPr lang="es-ES" b="1" dirty="0"/>
+              <a:rPr lang="es-ES" sz="2400" b="1" dirty="0"/>
               <a:t>CNN</a:t>
             </a:r>
           </a:p>
@@ -31108,11 +31124,11 @@
               <a:buNone/>
             </a:pPr>
             <a:r>
-              <a:rPr lang="es-ES" dirty="0" err="1"/>
+              <a:rPr lang="es-ES" sz="2400" dirty="0" err="1"/>
               <a:t>Convolutional</a:t>
             </a:r>
             <a:r>
-              <a:rPr lang="es-ES" dirty="0"/>
+              <a:rPr lang="es-ES" sz="2400" dirty="0"/>
               <a:t> LSTM</a:t>
             </a:r>
           </a:p>
@@ -31121,7 +31137,7 @@
               <a:buNone/>
             </a:pPr>
             <a:r>
-              <a:rPr lang="es-ES" b="1" dirty="0" err="1"/>
+              <a:rPr lang="es-ES" sz="2400" b="1" dirty="0" err="1"/>
               <a:t>ConvLSTM</a:t>
             </a:r>
             <a:endParaRPr lang="es-ES" b="1" dirty="0"/>
@@ -31400,29 +31416,29 @@
           <a:lstStyle/>
           <a:p>
             <a:r>
-              <a:rPr lang="es-ES" sz="2200" dirty="0"/>
+              <a:rPr lang="es-ES" sz="2400" dirty="0"/>
               <a:t>2 capas </a:t>
             </a:r>
             <a:r>
-              <a:rPr lang="es-ES" sz="2200" dirty="0" err="1"/>
+              <a:rPr lang="es-ES" sz="2400" dirty="0" err="1"/>
               <a:t>convolucionales</a:t>
             </a:r>
             <a:r>
-              <a:rPr lang="es-ES" sz="2200" dirty="0"/>
+              <a:rPr lang="es-ES" sz="2400" dirty="0"/>
               <a:t>  con 32 neuronas. </a:t>
             </a:r>
           </a:p>
           <a:p>
             <a:r>
-              <a:rPr lang="es-ES" sz="2200" dirty="0"/>
+              <a:rPr lang="es-ES" sz="2400" dirty="0"/>
               <a:t>1 capa de </a:t>
             </a:r>
             <a:r>
-              <a:rPr lang="es-ES" sz="2200" dirty="0" err="1"/>
+              <a:rPr lang="es-ES" sz="2400" dirty="0" err="1"/>
               <a:t>MaxPooling</a:t>
             </a:r>
             <a:r>
-              <a:rPr lang="es-ES" sz="2200" dirty="0"/>
+              <a:rPr lang="es-ES" sz="2400" dirty="0"/>
               <a:t> 2x2.</a:t>
             </a:r>
           </a:p>
@@ -31645,7 +31661,7 @@
         <p:spPr>
           <a:xfrm>
             <a:off x="1344061" y="1362098"/>
-            <a:ext cx="8585752" cy="523220"/>
+            <a:ext cx="10287108" cy="954107"/>
           </a:xfrm>
           <a:prstGeom prst="rect">
             <a:avLst/>
@@ -31664,7 +31680,7 @@
                   <a:srgbClr val="718EA5"/>
                 </a:solidFill>
               </a:rPr>
-              <a:t>CNN – Influencia del número de muestras</a:t>
+              <a:t>CNN – Influencia del número de muestras de entrenamiento</a:t>
             </a:r>
           </a:p>
         </p:txBody>
@@ -31687,8 +31703,8 @@
         </p:nvSpPr>
         <p:spPr>
           <a:xfrm>
-            <a:off x="838200" y="2445351"/>
-            <a:ext cx="4258056" cy="3390299"/>
+            <a:off x="838200" y="2842380"/>
+            <a:ext cx="4258056" cy="2845977"/>
           </a:xfrm>
         </p:spPr>
         <p:txBody>
@@ -31720,12 +31736,6 @@
               <a:t>Equilibrio entre número de muestras y complejidad.</a:t>
             </a:r>
             <a:endParaRPr lang="es-ES" sz="2200" dirty="0"/>
-          </a:p>
-          <a:p>
-            <a:pPr marL="0" indent="0">
-              <a:buNone/>
-            </a:pPr>
-            <a:endParaRPr lang="es-ES" sz="2400" dirty="0"/>
           </a:p>
         </p:txBody>
       </p:sp>
@@ -31906,11 +31916,17 @@
           <p:cNvGraphicFramePr>
             <a:graphicFrameLocks/>
           </p:cNvGraphicFramePr>
-          <p:nvPr/>
+          <p:nvPr>
+            <p:extLst>
+              <p:ext uri="{D42A27DB-BD31-4B8C-83A1-F6EECF244321}">
+                <p14:modId xmlns:p14="http://schemas.microsoft.com/office/powerpoint/2010/main" val="3135675140"/>
+              </p:ext>
+            </p:extLst>
+          </p:nvPr>
         </p:nvGraphicFramePr>
         <p:xfrm>
-          <a:off x="4939748" y="2421834"/>
-          <a:ext cx="6414052" cy="2966720"/>
+          <a:off x="5044440" y="2315154"/>
+          <a:ext cx="6583680" cy="3413760"/>
         </p:xfrm>
         <a:graphic>
           <a:graphicData uri="http://schemas.openxmlformats.org/drawingml/2006/table">
@@ -31919,21 +31935,21 @@
                 <a:tableStyleId>{72833802-FEF1-4C79-8D5D-14CF1EAF98D9}</a:tableStyleId>
               </a:tblPr>
               <a:tblGrid>
-                <a:gridCol w="1508760">
+                <a:gridCol w="1554480">
                   <a:extLst>
                     <a:ext uri="{9D8B030D-6E8A-4147-A177-3AD203B41FA5}">
                       <a16:colId xmlns:a16="http://schemas.microsoft.com/office/drawing/2014/main" val="2275283652"/>
                     </a:ext>
                   </a:extLst>
                 </a:gridCol>
-                <a:gridCol w="1033379">
+                <a:gridCol w="1264920">
                   <a:extLst>
                     <a:ext uri="{9D8B030D-6E8A-4147-A177-3AD203B41FA5}">
                       <a16:colId xmlns:a16="http://schemas.microsoft.com/office/drawing/2014/main" val="1969023984"/>
                     </a:ext>
                   </a:extLst>
                 </a:gridCol>
-                <a:gridCol w="3871913">
+                <a:gridCol w="3764280">
                   <a:extLst>
                     <a:ext uri="{9D8B030D-6E8A-4147-A177-3AD203B41FA5}">
                       <a16:colId xmlns:a16="http://schemas.microsoft.com/office/drawing/2014/main" val="1770816400"/>
@@ -31949,7 +31965,7 @@
                     <a:p>
                       <a:pPr algn="ctr"/>
                       <a:r>
-                        <a:rPr lang="es-ES" dirty="0"/>
+                        <a:rPr lang="es-ES" sz="2200" dirty="0"/>
                         <a:t>DINÁMICA</a:t>
                       </a:r>
                     </a:p>
@@ -32047,7 +32063,7 @@
                     <a:p>
                       <a:pPr algn="ctr"/>
                       <a:r>
-                        <a:rPr lang="es-ES" dirty="0"/>
+                        <a:rPr lang="es-ES" sz="2200" dirty="0"/>
                         <a:t>MEDIA ERROR RELATIVO</a:t>
                       </a:r>
                     </a:p>
@@ -32105,7 +32121,7 @@
                     <a:p>
                       <a:pPr algn="ctr"/>
                       <a:r>
-                        <a:rPr lang="es-ES" dirty="0"/>
+                        <a:rPr lang="es-ES" sz="2200" dirty="0"/>
                         <a:t>Lineal</a:t>
                       </a:r>
                     </a:p>
@@ -32156,7 +32172,7 @@
                     <a:p>
                       <a:pPr algn="ctr"/>
                       <a:r>
-                        <a:rPr lang="es-ES" dirty="0"/>
+                        <a:rPr lang="es-ES" sz="2200" dirty="0"/>
                         <a:t>1 DOF</a:t>
                       </a:r>
                     </a:p>
@@ -32207,7 +32223,7 @@
                     <a:p>
                       <a:pPr algn="ctr"/>
                       <a:r>
-                        <a:rPr lang="es-ES" dirty="0"/>
+                        <a:rPr lang="es-ES" sz="2200" dirty="0"/>
                         <a:t>0.07 %</a:t>
                       </a:r>
                     </a:p>
@@ -32315,7 +32331,7 @@
                     <a:p>
                       <a:pPr algn="ctr"/>
                       <a:r>
-                        <a:rPr lang="es-ES" dirty="0"/>
+                        <a:rPr lang="es-ES" sz="2200" dirty="0"/>
                         <a:t>2 DOF</a:t>
                       </a:r>
                     </a:p>
@@ -32366,7 +32382,7 @@
                     <a:p>
                       <a:pPr algn="ctr"/>
                       <a:r>
-                        <a:rPr lang="es-ES" dirty="0"/>
+                        <a:rPr lang="es-ES" sz="2200" dirty="0"/>
                         <a:t>0.39 %</a:t>
                       </a:r>
                     </a:p>
@@ -32427,7 +32443,7 @@
                     <a:p>
                       <a:pPr algn="ctr"/>
                       <a:r>
-                        <a:rPr lang="es-ES" dirty="0"/>
+                        <a:rPr lang="es-ES" sz="2200" dirty="0"/>
                         <a:t>Parabólica</a:t>
                       </a:r>
                     </a:p>
@@ -32478,7 +32494,7 @@
                     <a:p>
                       <a:pPr algn="ctr"/>
                       <a:r>
-                        <a:rPr lang="es-ES" dirty="0"/>
+                        <a:rPr lang="es-ES" sz="2200" dirty="0"/>
                         <a:t>1 DOF</a:t>
                       </a:r>
                     </a:p>
@@ -32529,7 +32545,7 @@
                     <a:p>
                       <a:pPr algn="ctr"/>
                       <a:r>
-                        <a:rPr lang="es-ES" dirty="0"/>
+                        <a:rPr lang="es-ES" sz="2200" dirty="0"/>
                         <a:t>0.01 %</a:t>
                       </a:r>
                     </a:p>
@@ -32637,7 +32653,7 @@
                     <a:p>
                       <a:pPr algn="ctr"/>
                       <a:r>
-                        <a:rPr lang="es-ES" dirty="0"/>
+                        <a:rPr lang="es-ES" sz="2200" dirty="0"/>
                         <a:t>2 DOF</a:t>
                       </a:r>
                     </a:p>
@@ -32688,7 +32704,7 @@
                     <a:p>
                       <a:pPr algn="ctr"/>
                       <a:r>
-                        <a:rPr lang="es-ES" dirty="0"/>
+                        <a:rPr lang="es-ES" sz="2200" dirty="0"/>
                         <a:t>0.07 %</a:t>
                       </a:r>
                     </a:p>
@@ -32796,7 +32812,7 @@
                     <a:p>
                       <a:pPr algn="ctr"/>
                       <a:r>
-                        <a:rPr lang="es-ES" dirty="0"/>
+                        <a:rPr lang="es-ES" sz="2200" dirty="0"/>
                         <a:t>3 DOF</a:t>
                       </a:r>
                     </a:p>
@@ -32847,7 +32863,7 @@
                     <a:p>
                       <a:pPr algn="ctr"/>
                       <a:r>
-                        <a:rPr lang="es-ES" dirty="0"/>
+                        <a:rPr lang="es-ES" sz="2200" dirty="0"/>
                         <a:t>4.4 %</a:t>
                       </a:r>
                     </a:p>
@@ -32908,7 +32924,7 @@
                     <a:p>
                       <a:pPr algn="ctr"/>
                       <a:r>
-                        <a:rPr lang="es-ES" dirty="0"/>
+                        <a:rPr lang="es-ES" sz="2200" dirty="0"/>
                         <a:t>Sinusoidal</a:t>
                       </a:r>
                     </a:p>
@@ -32959,7 +32975,7 @@
                     <a:p>
                       <a:pPr algn="ctr"/>
                       <a:r>
-                        <a:rPr lang="es-ES" dirty="0"/>
+                        <a:rPr lang="es-ES" sz="2200" dirty="0"/>
                         <a:t>1 DOF</a:t>
                       </a:r>
                     </a:p>
@@ -33010,7 +33026,7 @@
                     <a:p>
                       <a:pPr algn="ctr"/>
                       <a:r>
-                        <a:rPr lang="es-ES" dirty="0"/>
+                        <a:rPr lang="es-ES" sz="2200" dirty="0"/>
                         <a:t>0.003 %</a:t>
                       </a:r>
                     </a:p>
@@ -33118,7 +33134,7 @@
                     <a:p>
                       <a:pPr algn="ctr"/>
                       <a:r>
-                        <a:rPr lang="es-ES" dirty="0"/>
+                        <a:rPr lang="es-ES" sz="2200" dirty="0"/>
                         <a:t>2 DOF</a:t>
                       </a:r>
                     </a:p>
@@ -33169,7 +33185,7 @@
                     <a:p>
                       <a:pPr algn="ctr"/>
                       <a:r>
-                        <a:rPr lang="es-ES" dirty="0"/>
+                        <a:rPr lang="es-ES" sz="2200" dirty="0"/>
                         <a:t>1.12 %</a:t>
                       </a:r>
                     </a:p>
@@ -33472,8 +33488,8 @@
         </p:nvSpPr>
         <p:spPr>
           <a:xfrm>
-            <a:off x="626365" y="2537016"/>
-            <a:ext cx="3863034" cy="3677517"/>
+            <a:off x="563880" y="2537016"/>
+            <a:ext cx="3925519" cy="3677517"/>
           </a:xfrm>
         </p:spPr>
         <p:txBody>
@@ -33483,35 +33499,35 @@
           <a:lstStyle/>
           <a:p>
             <a:r>
-              <a:rPr lang="es-ES" sz="2200" dirty="0"/>
+              <a:rPr lang="es-ES" sz="2400" dirty="0"/>
               <a:t>1 capa </a:t>
             </a:r>
             <a:r>
-              <a:rPr lang="es-ES" sz="2200" dirty="0" err="1"/>
+              <a:rPr lang="es-ES" sz="2400" dirty="0" err="1"/>
               <a:t>convolucional</a:t>
             </a:r>
             <a:r>
-              <a:rPr lang="es-ES" sz="2200" dirty="0"/>
+              <a:rPr lang="es-ES" sz="2400" dirty="0"/>
               <a:t> con 32 neuronas.</a:t>
             </a:r>
           </a:p>
           <a:p>
             <a:r>
-              <a:rPr lang="es-ES" sz="2200" dirty="0"/>
+              <a:rPr lang="es-ES" sz="2400" dirty="0"/>
               <a:t>1 capa de </a:t>
             </a:r>
             <a:r>
-              <a:rPr lang="es-ES" sz="2200" dirty="0" err="1"/>
+              <a:rPr lang="es-ES" sz="2400" dirty="0" err="1"/>
               <a:t>MaxPooling</a:t>
             </a:r>
             <a:r>
-              <a:rPr lang="es-ES" sz="2200" dirty="0"/>
+              <a:rPr lang="es-ES" sz="2400" dirty="0"/>
               <a:t> 2x2.</a:t>
             </a:r>
           </a:p>
           <a:p>
             <a:r>
-              <a:rPr lang="es-ES" sz="2200" dirty="0"/>
+              <a:rPr lang="es-ES" sz="2400" dirty="0"/>
               <a:t>1 capa LSTM con 25 neuronas.</a:t>
             </a:r>
           </a:p>
@@ -34225,14 +34241,14 @@
           <p:nvPr>
             <p:extLst>
               <p:ext uri="{D42A27DB-BD31-4B8C-83A1-F6EECF244321}">
-                <p14:modId xmlns:p14="http://schemas.microsoft.com/office/powerpoint/2010/main" val="4241385269"/>
+                <p14:modId xmlns:p14="http://schemas.microsoft.com/office/powerpoint/2010/main" val="2515904508"/>
               </p:ext>
             </p:extLst>
           </p:nvPr>
         </p:nvGraphicFramePr>
         <p:xfrm>
-          <a:off x="6244263" y="3182110"/>
-          <a:ext cx="5272088" cy="1112520"/>
+          <a:off x="6019800" y="3086882"/>
+          <a:ext cx="5754704" cy="1280160"/>
         </p:xfrm>
         <a:graphic>
           <a:graphicData uri="http://schemas.openxmlformats.org/drawingml/2006/table">
@@ -34241,28 +34257,28 @@
                 <a:tableStyleId>{72833802-FEF1-4C79-8D5D-14CF1EAF98D9}</a:tableStyleId>
               </a:tblPr>
               <a:tblGrid>
-                <a:gridCol w="814388">
+                <a:gridCol w="1040457">
                   <a:extLst>
                     <a:ext uri="{9D8B030D-6E8A-4147-A177-3AD203B41FA5}">
                       <a16:colId xmlns:a16="http://schemas.microsoft.com/office/drawing/2014/main" val="2275283652"/>
                     </a:ext>
                   </a:extLst>
                 </a:gridCol>
-                <a:gridCol w="1443038">
+                <a:gridCol w="1645920">
                   <a:extLst>
                     <a:ext uri="{9D8B030D-6E8A-4147-A177-3AD203B41FA5}">
                       <a16:colId xmlns:a16="http://schemas.microsoft.com/office/drawing/2014/main" val="1969023984"/>
                     </a:ext>
                   </a:extLst>
                 </a:gridCol>
-                <a:gridCol w="1128712">
+                <a:gridCol w="990600">
                   <a:extLst>
                     <a:ext uri="{9D8B030D-6E8A-4147-A177-3AD203B41FA5}">
                       <a16:colId xmlns:a16="http://schemas.microsoft.com/office/drawing/2014/main" val="1770816400"/>
                     </a:ext>
                   </a:extLst>
                 </a:gridCol>
-                <a:gridCol w="1885950">
+                <a:gridCol w="2077727">
                   <a:extLst>
                     <a:ext uri="{9D8B030D-6E8A-4147-A177-3AD203B41FA5}">
                       <a16:colId xmlns:a16="http://schemas.microsoft.com/office/drawing/2014/main" val="3674615995"/>
@@ -34278,7 +34294,7 @@
                     <a:p>
                       <a:pPr algn="ctr"/>
                       <a:r>
-                        <a:rPr lang="es-ES" dirty="0"/>
+                        <a:rPr lang="es-ES" sz="2200" dirty="0"/>
                         <a:t>DINÁMICA</a:t>
                       </a:r>
                     </a:p>
@@ -34376,7 +34392,7 @@
                     <a:p>
                       <a:pPr algn="ctr"/>
                       <a:r>
-                        <a:rPr lang="es-ES" dirty="0"/>
+                        <a:rPr lang="es-ES" sz="2200" dirty="0"/>
                         <a:t>CNN</a:t>
                       </a:r>
                     </a:p>
@@ -34427,7 +34443,7 @@
                     <a:p>
                       <a:pPr algn="ctr"/>
                       <a:r>
-                        <a:rPr lang="es-ES" dirty="0"/>
+                        <a:rPr lang="es-ES" sz="2200" dirty="0"/>
                         <a:t>CNN + LSTM</a:t>
                       </a:r>
                     </a:p>
@@ -34485,7 +34501,7 @@
                     <a:p>
                       <a:pPr algn="ctr"/>
                       <a:r>
-                        <a:rPr lang="es-ES" dirty="0"/>
+                        <a:rPr lang="es-ES" sz="2200" dirty="0"/>
                         <a:t>Lineal</a:t>
                       </a:r>
                     </a:p>
@@ -34536,7 +34552,7 @@
                     <a:p>
                       <a:pPr algn="ctr"/>
                       <a:r>
-                        <a:rPr lang="es-ES" dirty="0"/>
+                        <a:rPr lang="es-ES" sz="2200" dirty="0"/>
                         <a:t>Discreto</a:t>
                       </a:r>
                     </a:p>
@@ -34587,7 +34603,7 @@
                     <a:p>
                       <a:pPr algn="ctr"/>
                       <a:r>
-                        <a:rPr lang="es-ES" dirty="0"/>
+                        <a:rPr lang="es-ES" sz="2200" dirty="0"/>
                         <a:t>0.0 %</a:t>
                       </a:r>
                     </a:p>
@@ -34641,7 +34657,7 @@
                     <a:p>
                       <a:pPr algn="ctr"/>
                       <a:r>
-                        <a:rPr lang="es-ES" dirty="0"/>
+                        <a:rPr lang="es-ES" sz="2200" dirty="0"/>
                         <a:t>29.6 %</a:t>
                       </a:r>
                     </a:p>
@@ -34749,7 +34765,7 @@
                     <a:p>
                       <a:pPr algn="ctr"/>
                       <a:r>
-                        <a:rPr lang="es-ES" dirty="0"/>
+                        <a:rPr lang="es-ES" sz="2200" dirty="0"/>
                         <a:t>Expandido</a:t>
                       </a:r>
                     </a:p>
@@ -34799,7 +34815,7 @@
                     <a:lstStyle/>
                     <a:p>
                       <a:pPr algn="ctr"/>
-                      <a:endParaRPr lang="es-ES" dirty="0"/>
+                      <a:endParaRPr lang="es-ES" sz="2200" dirty="0"/>
                     </a:p>
                   </a:txBody>
                   <a:tcPr anchor="ctr">
@@ -34853,7 +34869,7 @@
                     <a:p>
                       <a:pPr algn="ctr"/>
                       <a:r>
-                        <a:rPr lang="es-ES" dirty="0"/>
+                        <a:rPr lang="es-ES" sz="2200" dirty="0"/>
                         <a:t>21.5 %</a:t>
                       </a:r>
                     </a:p>
@@ -35037,44 +35053,44 @@
           <a:lstStyle/>
           <a:p>
             <a:r>
-              <a:rPr lang="es-ES" sz="2200" dirty="0"/>
+              <a:rPr lang="es-ES" sz="2400" dirty="0"/>
               <a:t>2 capas </a:t>
             </a:r>
             <a:r>
-              <a:rPr lang="es-ES" sz="2200" dirty="0" err="1"/>
+              <a:rPr lang="es-ES" sz="2400" dirty="0" err="1"/>
               <a:t>convolucionales</a:t>
             </a:r>
             <a:r>
-              <a:rPr lang="es-ES" sz="2200" dirty="0"/>
+              <a:rPr lang="es-ES" sz="2400" dirty="0"/>
               <a:t> con 32 neuronas.</a:t>
             </a:r>
           </a:p>
           <a:p>
             <a:r>
-              <a:rPr lang="es-ES" sz="2200" dirty="0"/>
+              <a:rPr lang="es-ES" sz="2400" dirty="0"/>
               <a:t>1 capa de </a:t>
             </a:r>
             <a:r>
-              <a:rPr lang="es-ES" sz="2200" dirty="0" err="1"/>
+              <a:rPr lang="es-ES" sz="2400" dirty="0" err="1"/>
               <a:t>MaxPooling</a:t>
             </a:r>
             <a:r>
-              <a:rPr lang="es-ES" sz="2200" dirty="0"/>
+              <a:rPr lang="es-ES" sz="2400" dirty="0"/>
               <a:t> 2x2.</a:t>
             </a:r>
           </a:p>
           <a:p>
             <a:r>
-              <a:rPr lang="es-ES" sz="2200" dirty="0"/>
+              <a:rPr lang="es-ES" sz="2400" dirty="0"/>
               <a:t>1 capa </a:t>
             </a:r>
             <a:r>
-              <a:rPr lang="es-ES" sz="2200" dirty="0" err="1"/>
+              <a:rPr lang="es-ES" sz="2400" dirty="0" err="1"/>
               <a:t>ConvLSTM</a:t>
             </a:r>
             <a:r>
-              <a:rPr lang="es-ES" sz="2200" dirty="0"/>
-              <a:t> con 5 celdas de memoria.</a:t>
+              <a:rPr lang="es-ES" sz="2400" dirty="0"/>
+              <a:t> con 5 neuronas.</a:t>
             </a:r>
           </a:p>
         </p:txBody>
@@ -35381,14 +35397,14 @@
           <p:nvPr>
             <p:extLst>
               <p:ext uri="{D42A27DB-BD31-4B8C-83A1-F6EECF244321}">
-                <p14:modId xmlns:p14="http://schemas.microsoft.com/office/powerpoint/2010/main" val="1687039231"/>
+                <p14:modId xmlns:p14="http://schemas.microsoft.com/office/powerpoint/2010/main" val="1937366480"/>
               </p:ext>
             </p:extLst>
           </p:nvPr>
         </p:nvGraphicFramePr>
         <p:xfrm>
-          <a:off x="5195888" y="2258989"/>
-          <a:ext cx="6157912" cy="3708400"/>
+          <a:off x="5252712" y="1947333"/>
+          <a:ext cx="6263640" cy="4267200"/>
         </p:xfrm>
         <a:graphic>
           <a:graphicData uri="http://schemas.openxmlformats.org/drawingml/2006/table">
@@ -35397,7 +35413,7 @@
                 <a:tableStyleId>{72833802-FEF1-4C79-8D5D-14CF1EAF98D9}</a:tableStyleId>
               </a:tblPr>
               <a:tblGrid>
-                <a:gridCol w="1453771">
+                <a:gridCol w="1559499">
                   <a:extLst>
                     <a:ext uri="{9D8B030D-6E8A-4147-A177-3AD203B41FA5}">
                       <a16:colId xmlns:a16="http://schemas.microsoft.com/office/drawing/2014/main" val="2275283652"/>
@@ -35427,7 +35443,7 @@
                     <a:p>
                       <a:pPr algn="ctr"/>
                       <a:r>
-                        <a:rPr lang="es-ES" dirty="0"/>
+                        <a:rPr lang="es-ES" sz="2200" dirty="0"/>
                         <a:t>DINÁMICA</a:t>
                       </a:r>
                     </a:p>
@@ -35525,7 +35541,7 @@
                     <a:p>
                       <a:pPr algn="ctr"/>
                       <a:r>
-                        <a:rPr lang="es-ES" dirty="0"/>
+                        <a:rPr lang="es-ES" sz="2200" dirty="0"/>
                         <a:t>MEDIA ERROR RELATIVO</a:t>
                       </a:r>
                     </a:p>
@@ -35583,7 +35599,7 @@
                     <a:p>
                       <a:pPr algn="ctr"/>
                       <a:r>
-                        <a:rPr lang="es-ES" dirty="0"/>
+                        <a:rPr lang="es-ES" sz="2200" dirty="0"/>
                         <a:t>Lineal</a:t>
                       </a:r>
                     </a:p>
@@ -35634,7 +35650,7 @@
                     <a:p>
                       <a:pPr algn="ctr"/>
                       <a:r>
-                        <a:rPr lang="es-ES" dirty="0"/>
+                        <a:rPr lang="es-ES" sz="2200" dirty="0"/>
                         <a:t>1 DOF</a:t>
                       </a:r>
                     </a:p>
@@ -35685,7 +35701,7 @@
                     <a:p>
                       <a:pPr algn="ctr"/>
                       <a:r>
-                        <a:rPr lang="es-ES" dirty="0"/>
+                        <a:rPr lang="es-ES" sz="2200" dirty="0"/>
                         <a:t>0.06 %</a:t>
                       </a:r>
                     </a:p>
@@ -35793,7 +35809,7 @@
                     <a:p>
                       <a:pPr algn="ctr"/>
                       <a:r>
-                        <a:rPr lang="es-ES" dirty="0"/>
+                        <a:rPr lang="es-ES" sz="2200" dirty="0"/>
                         <a:t>2 DOF</a:t>
                       </a:r>
                     </a:p>
@@ -35844,7 +35860,7 @@
                     <a:p>
                       <a:pPr algn="ctr"/>
                       <a:r>
-                        <a:rPr lang="es-ES" dirty="0"/>
+                        <a:rPr lang="es-ES" sz="2200" dirty="0"/>
                         <a:t>0.29 %</a:t>
                       </a:r>
                     </a:p>
@@ -35905,7 +35921,7 @@
                     <a:p>
                       <a:pPr algn="ctr"/>
                       <a:r>
-                        <a:rPr lang="es-ES" dirty="0"/>
+                        <a:rPr lang="es-ES" sz="2200" dirty="0"/>
                         <a:t>Parabólica</a:t>
                       </a:r>
                     </a:p>
@@ -35956,7 +35972,7 @@
                     <a:p>
                       <a:pPr algn="ctr"/>
                       <a:r>
-                        <a:rPr lang="es-ES" dirty="0"/>
+                        <a:rPr lang="es-ES" sz="2200" dirty="0"/>
                         <a:t>1 DOF</a:t>
                       </a:r>
                     </a:p>
@@ -36007,7 +36023,7 @@
                     <a:p>
                       <a:pPr algn="ctr"/>
                       <a:r>
-                        <a:rPr lang="es-ES" dirty="0"/>
+                        <a:rPr lang="es-ES" sz="2200" dirty="0"/>
                         <a:t>0.01 %</a:t>
                       </a:r>
                     </a:p>
@@ -36115,7 +36131,7 @@
                     <a:p>
                       <a:pPr algn="ctr"/>
                       <a:r>
-                        <a:rPr lang="es-ES" dirty="0"/>
+                        <a:rPr lang="es-ES" sz="2200" dirty="0"/>
                         <a:t>2 DOF</a:t>
                       </a:r>
                     </a:p>
@@ -36166,7 +36182,7 @@
                     <a:p>
                       <a:pPr algn="ctr"/>
                       <a:r>
-                        <a:rPr lang="es-ES" dirty="0"/>
+                        <a:rPr lang="es-ES" sz="2200" dirty="0"/>
                         <a:t>0.03 %</a:t>
                       </a:r>
                     </a:p>
@@ -36274,7 +36290,7 @@
                     <a:p>
                       <a:pPr algn="ctr"/>
                       <a:r>
-                        <a:rPr lang="es-ES" dirty="0"/>
+                        <a:rPr lang="es-ES" sz="2200" dirty="0"/>
                         <a:t>3 DOF</a:t>
                       </a:r>
                     </a:p>
@@ -36325,7 +36341,7 @@
                     <a:p>
                       <a:pPr algn="ctr"/>
                       <a:r>
-                        <a:rPr lang="es-ES" dirty="0"/>
+                        <a:rPr lang="es-ES" sz="2200" dirty="0"/>
                         <a:t>3.76%</a:t>
                       </a:r>
                     </a:p>
@@ -36386,7 +36402,7 @@
                     <a:p>
                       <a:pPr algn="ctr"/>
                       <a:r>
-                        <a:rPr lang="es-ES" dirty="0"/>
+                        <a:rPr lang="es-ES" sz="2200" dirty="0"/>
                         <a:t>Sinusoidal</a:t>
                       </a:r>
                     </a:p>
@@ -36437,7 +36453,7 @@
                     <a:p>
                       <a:pPr algn="ctr"/>
                       <a:r>
-                        <a:rPr lang="es-ES" dirty="0"/>
+                        <a:rPr lang="es-ES" sz="2200" dirty="0"/>
                         <a:t>1 DOF</a:t>
                       </a:r>
                     </a:p>
@@ -36488,7 +36504,7 @@
                     <a:p>
                       <a:pPr algn="ctr"/>
                       <a:r>
-                        <a:rPr lang="es-ES" dirty="0"/>
+                        <a:rPr lang="es-ES" sz="2200" dirty="0"/>
                         <a:t>0.01 %</a:t>
                       </a:r>
                     </a:p>
@@ -36596,7 +36612,7 @@
                     <a:p>
                       <a:pPr algn="ctr"/>
                       <a:r>
-                        <a:rPr lang="es-ES" dirty="0"/>
+                        <a:rPr lang="es-ES" sz="2200" dirty="0"/>
                         <a:t>2 DOF</a:t>
                       </a:r>
                     </a:p>
@@ -36647,7 +36663,7 @@
                     <a:p>
                       <a:pPr algn="ctr"/>
                       <a:r>
-                        <a:rPr lang="es-ES" dirty="0"/>
+                        <a:rPr lang="es-ES" sz="2200" dirty="0"/>
                         <a:t>1.12 %</a:t>
                       </a:r>
                     </a:p>
@@ -36756,7 +36772,7 @@
                     <a:p>
                       <a:pPr algn="ctr"/>
                       <a:r>
-                        <a:rPr lang="es-ES" dirty="0"/>
+                        <a:rPr lang="es-ES" sz="2200" dirty="0"/>
                         <a:t>3 DOF</a:t>
                       </a:r>
                     </a:p>
@@ -36807,7 +36823,7 @@
                     <a:p>
                       <a:pPr algn="ctr"/>
                       <a:r>
-                        <a:rPr lang="es-ES" dirty="0"/>
+                        <a:rPr lang="es-ES" sz="2200" dirty="0"/>
                         <a:t>3.44 %</a:t>
                       </a:r>
                     </a:p>
@@ -36916,7 +36932,7 @@
                     <a:p>
                       <a:pPr algn="ctr"/>
                       <a:r>
-                        <a:rPr lang="es-ES" dirty="0"/>
+                        <a:rPr lang="es-ES" sz="2200" dirty="0"/>
                         <a:t>4 DOF</a:t>
                       </a:r>
                     </a:p>
@@ -36967,7 +36983,7 @@
                     <a:p>
                       <a:pPr algn="ctr"/>
                       <a:r>
-                        <a:rPr lang="es-ES" dirty="0"/>
+                        <a:rPr lang="es-ES" sz="2200" dirty="0"/>
                         <a:t>13 %</a:t>
                       </a:r>
                     </a:p>
@@ -37077,7 +37093,7 @@
           <a:p>
             <a:r>
               <a:rPr lang="es-ES" dirty="0"/>
-              <a:t>5. Predicción con imágenes modeladas</a:t>
+              <a:t>6. Predicción con imágenes crudas</a:t>
             </a:r>
           </a:p>
         </p:txBody>
@@ -37259,7 +37275,7 @@
           </a:ln>
         </p:spPr>
         <p:txBody>
-          <a:bodyPr vert="horz" lIns="91440" tIns="45720" rIns="91440" bIns="45720" rtlCol="0">
+          <a:bodyPr vert="horz" lIns="91440" tIns="45720" rIns="91440" bIns="45720" rtlCol="0" anchor="ctr">
             <a:normAutofit fontScale="92500"/>
           </a:bodyPr>
           <a:lstStyle>
@@ -38990,48 +39006,48 @@
         </p:spPr>
         <p:txBody>
           <a:bodyPr>
-            <a:normAutofit/>
+            <a:normAutofit fontScale="92500" lnSpcReduction="10000"/>
           </a:bodyPr>
           <a:lstStyle/>
           <a:p>
             <a:r>
-              <a:rPr lang="es-ES" sz="2000" dirty="0"/>
+              <a:rPr lang="es-ES" sz="2400" dirty="0"/>
               <a:t>1 capa </a:t>
             </a:r>
             <a:r>
-              <a:rPr lang="es-ES" sz="2000" dirty="0" err="1"/>
+              <a:rPr lang="es-ES" sz="2400" dirty="0" err="1"/>
               <a:t>convolucional</a:t>
             </a:r>
             <a:r>
-              <a:rPr lang="es-ES" sz="2000" dirty="0"/>
+              <a:rPr lang="es-ES" sz="2400" dirty="0"/>
               <a:t> con 32 neuronas. </a:t>
             </a:r>
           </a:p>
           <a:p>
             <a:r>
-              <a:rPr lang="es-ES" sz="2000" dirty="0"/>
+              <a:rPr lang="es-ES" sz="2400" dirty="0"/>
               <a:t>1 capa de </a:t>
             </a:r>
             <a:r>
-              <a:rPr lang="es-ES" sz="2000" dirty="0" err="1"/>
+              <a:rPr lang="es-ES" sz="2400" dirty="0" err="1"/>
               <a:t>MaxPooling</a:t>
             </a:r>
             <a:r>
-              <a:rPr lang="es-ES" sz="2000" dirty="0"/>
+              <a:rPr lang="es-ES" sz="2400" dirty="0"/>
               <a:t> 2x2.</a:t>
             </a:r>
           </a:p>
           <a:p>
             <a:r>
-              <a:rPr lang="es-ES" sz="2000" dirty="0"/>
+              <a:rPr lang="es-ES" sz="2400" dirty="0"/>
               <a:t>4 capas </a:t>
             </a:r>
             <a:r>
-              <a:rPr lang="es-ES" sz="2000" dirty="0" err="1"/>
+              <a:rPr lang="es-ES" sz="2400" dirty="0" err="1"/>
               <a:t>ConvLSTM</a:t>
             </a:r>
             <a:r>
-              <a:rPr lang="es-ES" sz="2000" dirty="0"/>
+              <a:rPr lang="es-ES" sz="2400" dirty="0"/>
               <a:t> con  20, 15, 10 y 5 neuronas.</a:t>
             </a:r>
           </a:p>
@@ -39298,14 +39314,14 @@
           <p:nvPr>
             <p:extLst>
               <p:ext uri="{D42A27DB-BD31-4B8C-83A1-F6EECF244321}">
-                <p14:modId xmlns:p14="http://schemas.microsoft.com/office/powerpoint/2010/main" val="691430533"/>
+                <p14:modId xmlns:p14="http://schemas.microsoft.com/office/powerpoint/2010/main" val="842903756"/>
               </p:ext>
             </p:extLst>
           </p:nvPr>
         </p:nvGraphicFramePr>
         <p:xfrm>
-          <a:off x="5195888" y="2739689"/>
-          <a:ext cx="6157912" cy="2595880"/>
+          <a:off x="5069831" y="2544109"/>
+          <a:ext cx="6446520" cy="2987040"/>
         </p:xfrm>
         <a:graphic>
           <a:graphicData uri="http://schemas.openxmlformats.org/drawingml/2006/table">
@@ -39314,7 +39330,7 @@
                 <a:tableStyleId>{72833802-FEF1-4C79-8D5D-14CF1EAF98D9}</a:tableStyleId>
               </a:tblPr>
               <a:tblGrid>
-                <a:gridCol w="1453771">
+                <a:gridCol w="1742379">
                   <a:extLst>
                     <a:ext uri="{9D8B030D-6E8A-4147-A177-3AD203B41FA5}">
                       <a16:colId xmlns:a16="http://schemas.microsoft.com/office/drawing/2014/main" val="2275283652"/>
@@ -39344,7 +39360,7 @@
                     <a:p>
                       <a:pPr algn="ctr"/>
                       <a:r>
-                        <a:rPr lang="es-ES" dirty="0"/>
+                        <a:rPr lang="es-ES" sz="2200" dirty="0"/>
                         <a:t>DINÁMICA</a:t>
                       </a:r>
                     </a:p>
@@ -39442,7 +39458,7 @@
                     <a:p>
                       <a:pPr algn="ctr"/>
                       <a:r>
-                        <a:rPr lang="es-ES" dirty="0"/>
+                        <a:rPr lang="es-ES" sz="2200" dirty="0"/>
                         <a:t>MEDIA ERROR RELATIVO</a:t>
                       </a:r>
                     </a:p>
@@ -39500,7 +39516,7 @@
                     <a:p>
                       <a:pPr algn="ctr"/>
                       <a:r>
-                        <a:rPr lang="es-ES" dirty="0"/>
+                        <a:rPr lang="es-ES" sz="2200" dirty="0"/>
                         <a:t>Lineal</a:t>
                       </a:r>
                     </a:p>
@@ -39551,7 +39567,7 @@
                     <a:p>
                       <a:pPr algn="ctr"/>
                       <a:r>
-                        <a:rPr lang="es-ES" dirty="0"/>
+                        <a:rPr lang="es-ES" sz="2200" dirty="0"/>
                         <a:t>2 DOF</a:t>
                       </a:r>
                     </a:p>
@@ -39602,7 +39618,7 @@
                     <a:p>
                       <a:pPr algn="ctr"/>
                       <a:r>
-                        <a:rPr lang="es-ES" dirty="0"/>
+                        <a:rPr lang="es-ES" sz="2200" dirty="0"/>
                         <a:t>0.07 %</a:t>
                       </a:r>
                     </a:p>
@@ -39663,7 +39679,7 @@
                     <a:p>
                       <a:pPr algn="ctr"/>
                       <a:r>
-                        <a:rPr lang="es-ES" dirty="0"/>
+                        <a:rPr lang="es-ES" sz="2200" dirty="0"/>
                         <a:t>Parabólica</a:t>
                       </a:r>
                     </a:p>
@@ -39714,7 +39730,7 @@
                     <a:p>
                       <a:pPr algn="ctr"/>
                       <a:r>
-                        <a:rPr lang="es-ES" dirty="0"/>
+                        <a:rPr lang="es-ES" sz="2200" dirty="0"/>
                         <a:t>3 DOF</a:t>
                       </a:r>
                     </a:p>
@@ -39765,7 +39781,7 @@
                     <a:p>
                       <a:pPr algn="ctr"/>
                       <a:r>
-                        <a:rPr lang="es-ES" dirty="0"/>
+                        <a:rPr lang="es-ES" sz="2200" dirty="0"/>
                         <a:t>0.87 %</a:t>
                       </a:r>
                     </a:p>
@@ -39826,7 +39842,7 @@
                     <a:p>
                       <a:pPr algn="ctr"/>
                       <a:r>
-                        <a:rPr lang="es-ES" dirty="0"/>
+                        <a:rPr lang="es-ES" sz="2200" dirty="0"/>
                         <a:t>Sinusoidal</a:t>
                       </a:r>
                     </a:p>
@@ -39877,7 +39893,7 @@
                     <a:p>
                       <a:pPr algn="ctr"/>
                       <a:r>
-                        <a:rPr lang="es-ES" dirty="0"/>
+                        <a:rPr lang="es-ES" sz="2200" dirty="0"/>
                         <a:t>2 DOF</a:t>
                       </a:r>
                     </a:p>
@@ -39928,7 +39944,7 @@
                     <a:p>
                       <a:pPr algn="ctr"/>
                       <a:r>
-                        <a:rPr lang="es-ES" dirty="0"/>
+                        <a:rPr lang="es-ES" sz="2200" dirty="0"/>
                         <a:t>0.14 %</a:t>
                       </a:r>
                     </a:p>
@@ -40036,7 +40052,7 @@
                     <a:p>
                       <a:pPr algn="ctr"/>
                       <a:r>
-                        <a:rPr lang="es-ES" dirty="0"/>
+                        <a:rPr lang="es-ES" sz="2200" dirty="0"/>
                         <a:t>3 DOF</a:t>
                       </a:r>
                     </a:p>
@@ -40087,7 +40103,7 @@
                     <a:p>
                       <a:pPr algn="ctr"/>
                       <a:r>
-                        <a:rPr lang="es-ES" dirty="0"/>
+                        <a:rPr lang="es-ES" sz="2200" dirty="0"/>
                         <a:t>0.51 %</a:t>
                       </a:r>
                     </a:p>
@@ -40196,7 +40212,7 @@
                     <a:p>
                       <a:pPr algn="ctr"/>
                       <a:r>
-                        <a:rPr lang="es-ES" dirty="0"/>
+                        <a:rPr lang="es-ES" sz="2200" dirty="0"/>
                         <a:t>4 DOF</a:t>
                       </a:r>
                     </a:p>
@@ -40247,7 +40263,7 @@
                     <a:p>
                       <a:pPr algn="ctr"/>
                       <a:r>
-                        <a:rPr lang="es-ES" dirty="0"/>
+                        <a:rPr lang="es-ES" sz="2200" dirty="0"/>
                         <a:t>2.06%</a:t>
                       </a:r>
                     </a:p>
@@ -40308,7 +40324,7 @@
                     <a:p>
                       <a:pPr algn="ctr"/>
                       <a:r>
-                        <a:rPr lang="es-ES" dirty="0"/>
+                        <a:rPr lang="es-ES" sz="2200" dirty="0"/>
                         <a:t>Combinada</a:t>
                       </a:r>
                     </a:p>
@@ -40407,7 +40423,7 @@
                     <a:p>
                       <a:pPr algn="ctr"/>
                       <a:r>
-                        <a:rPr lang="es-ES" dirty="0"/>
+                        <a:rPr lang="es-ES" sz="2200" dirty="0"/>
                         <a:t>2.01 %</a:t>
                       </a:r>
                     </a:p>
@@ -41859,7 +41875,7 @@
         <p:spPr>
           <a:xfrm>
             <a:off x="1177982" y="2426269"/>
-            <a:ext cx="9836036" cy="3390901"/>
+            <a:ext cx="9836036" cy="3901379"/>
           </a:xfrm>
         </p:spPr>
         <p:txBody>
@@ -41902,20 +41918,17 @@
           <a:p>
             <a:r>
               <a:rPr lang="es-ES" sz="2400" dirty="0"/>
-              <a:t>El número de muestras afecta </a:t>
+              <a:t>El número de muestras de entrenamiento afecta.</a:t>
             </a:r>
+          </a:p>
+          <a:p>
+            <a:pPr lvl="1"/>
             <a:r>
-              <a:rPr lang="es-ES" sz="2400" dirty="0">
-                <a:sym typeface="Wingdings" pitchFamily="2" charset="2"/>
-              </a:rPr>
-              <a:t></a:t>
-            </a:r>
-            <a:r>
-              <a:rPr lang="es-ES" sz="2400" dirty="0"/>
+              <a:rPr lang="es-ES" sz="2000" dirty="0"/>
               <a:t> </a:t>
             </a:r>
             <a:r>
-              <a:rPr lang="es-ES" sz="2400" b="1" dirty="0"/>
+              <a:rPr lang="es-ES" sz="2200" b="1" dirty="0"/>
               <a:t>↑ Complejidad  ↑ Muestras</a:t>
             </a:r>
           </a:p>
@@ -41959,7 +41972,7 @@
               <a:rPr lang="es-ES" sz="2400" dirty="0">
                 <a:sym typeface="Wingdings" pitchFamily="2" charset="2"/>
               </a:rPr>
-              <a:t>Uso de redes que capten las </a:t>
+              <a:t>Conviene el uso de redes que capten las </a:t>
             </a:r>
             <a:r>
               <a:rPr lang="es-ES" sz="2400" b="1" dirty="0">
@@ -42031,7 +42044,7 @@
         <p:spPr>
           <a:xfrm>
             <a:off x="1193318" y="1469787"/>
-            <a:ext cx="9776788" cy="800219"/>
+            <a:ext cx="9776788" cy="523220"/>
           </a:xfrm>
           <a:prstGeom prst="rect">
             <a:avLst/>
@@ -42053,9 +42066,6 @@
               </a:rPr>
               <a:t>Se puede predecir</a:t>
             </a:r>
-          </a:p>
-          <a:p>
-            <a:endParaRPr lang="es-ES" dirty="0"/>
           </a:p>
         </p:txBody>
       </p:sp>
@@ -43326,17 +43336,18 @@
           </a:xfrm>
         </p:spPr>
         <p:txBody>
-          <a:bodyPr/>
+          <a:bodyPr>
+            <a:normAutofit/>
+          </a:bodyPr>
           <a:lstStyle/>
           <a:p>
             <a:pPr marL="0" indent="0" algn="ctr">
               <a:buNone/>
             </a:pPr>
             <a:r>
-              <a:rPr lang="es-ES" dirty="0"/>
+              <a:rPr lang="es-ES" sz="2400" b="1" dirty="0"/>
               <a:t>No recurrente</a:t>
             </a:r>
-            <a:endParaRPr lang="es-ES" b="1" dirty="0"/>
           </a:p>
         </p:txBody>
       </p:sp>
@@ -43363,17 +43374,18 @@
           </a:xfrm>
         </p:spPr>
         <p:txBody>
-          <a:bodyPr/>
+          <a:bodyPr>
+            <a:normAutofit/>
+          </a:bodyPr>
           <a:lstStyle/>
           <a:p>
             <a:pPr marL="0" indent="0" algn="ctr">
               <a:buNone/>
             </a:pPr>
             <a:r>
-              <a:rPr lang="es-ES" dirty="0"/>
+              <a:rPr lang="es-ES" sz="2400" b="1" dirty="0"/>
               <a:t>Recurrente</a:t>
             </a:r>
-            <a:endParaRPr lang="es-ES" b="1" dirty="0"/>
           </a:p>
         </p:txBody>
       </p:sp>
@@ -43450,7 +43462,7 @@
                   <a:srgbClr val="718EA5"/>
                 </a:solidFill>
               </a:rPr>
-              <a:t>Redes recurrentes VS no recurrentes</a:t>
+              <a:t>Redes no recurrentes VS recurrentes</a:t>
             </a:r>
           </a:p>
         </p:txBody>
@@ -45234,8 +45246,8 @@
         </p:nvSpPr>
         <p:spPr>
           <a:xfrm>
-            <a:off x="1344062" y="2603169"/>
-            <a:ext cx="9503876" cy="3286329"/>
+            <a:off x="1344062" y="3113200"/>
+            <a:ext cx="9503876" cy="2845022"/>
           </a:xfrm>
         </p:spPr>
         <p:txBody>
@@ -45243,12 +45255,6 @@
             <a:normAutofit/>
           </a:bodyPr>
           <a:lstStyle/>
-          <a:p>
-            <a:pPr marL="0" indent="0">
-              <a:buNone/>
-            </a:pPr>
-            <a:endParaRPr lang="es-ES" sz="2400" dirty="0"/>
-          </a:p>
           <a:p>
             <a:r>
               <a:rPr lang="es-ES" sz="2400" b="1" dirty="0"/>
@@ -45294,11 +45300,11 @@
           <a:p>
             <a:r>
               <a:rPr lang="es-ES" sz="2400" dirty="0"/>
-              <a:t>Estudio y evaluación de redes para </a:t>
+              <a:t>Estudio y evaluación de redes para la</a:t>
             </a:r>
             <a:r>
               <a:rPr lang="es-ES" sz="2400" b="1" dirty="0"/>
-              <a:t>la predicción con imágenes crudas</a:t>
+              <a:t> predicción con imágenes crudas</a:t>
             </a:r>
             <a:r>
               <a:rPr lang="es-ES" sz="2400" dirty="0"/>
@@ -46902,42 +46908,42 @@
           </a:p>
           <a:p>
             <a:r>
-              <a:rPr lang="es-ES" sz="2000" dirty="0"/>
+              <a:rPr lang="es-ES" sz="2400" dirty="0"/>
               <a:t>Intel(R) </a:t>
             </a:r>
             <a:r>
-              <a:rPr lang="es-ES" sz="2000" dirty="0" err="1"/>
+              <a:rPr lang="es-ES" sz="2400" dirty="0" err="1"/>
               <a:t>Xeon</a:t>
             </a:r>
             <a:r>
-              <a:rPr lang="es-ES" sz="2000" dirty="0"/>
+              <a:rPr lang="es-ES" sz="2400" dirty="0"/>
               <a:t>(R) CPU E5-2609 v4 @ 1.70GHz</a:t>
             </a:r>
           </a:p>
           <a:p>
             <a:r>
-              <a:rPr lang="es-ES" sz="2000" dirty="0"/>
+              <a:rPr lang="es-ES" sz="2400" dirty="0"/>
               <a:t>8 </a:t>
             </a:r>
             <a:r>
-              <a:rPr lang="es-ES" sz="2000" dirty="0" err="1"/>
+              <a:rPr lang="es-ES" sz="2400" dirty="0" err="1"/>
               <a:t>cores</a:t>
             </a:r>
-            <a:endParaRPr lang="es-ES" sz="2000" dirty="0"/>
+            <a:endParaRPr lang="es-ES" sz="2400" dirty="0"/>
           </a:p>
           <a:p>
             <a:r>
-              <a:rPr lang="es-ES" sz="2000" dirty="0"/>
+              <a:rPr lang="es-ES" sz="2400" dirty="0"/>
               <a:t>64GB</a:t>
             </a:r>
           </a:p>
           <a:p>
             <a:r>
-              <a:rPr lang="es-ES" sz="2000" dirty="0" err="1"/>
+              <a:rPr lang="es-ES" sz="2400" dirty="0" err="1"/>
               <a:t>GeForce</a:t>
             </a:r>
             <a:r>
-              <a:rPr lang="es-ES" sz="2000" dirty="0"/>
+              <a:rPr lang="es-ES" sz="2400" dirty="0"/>
               <a:t> GTX 1080</a:t>
             </a:r>
           </a:p>

--- a/Documentation/Presentacion-TFM/Presentacion-TFM.pptx
+++ b/Documentation/Presentacion-TFM/Presentacion-TFM.pptx
@@ -3825,7 +3825,7 @@
           <a:p>
             <a:fld id="{82EDB8D0-98ED-4B86-9D5F-E61ADC70144D}" type="datetimeFigureOut">
               <a:rPr lang="en-US" smtClean="0"/>
-              <a:t>10/13/20</a:t>
+              <a:t>10/14/20</a:t>
             </a:fld>
             <a:endParaRPr lang="en-US" dirty="0"/>
           </a:p>
@@ -4240,7 +4240,7 @@
           <a:p>
             <a:fld id="{82EDB8D0-98ED-4B86-9D5F-E61ADC70144D}" type="datetimeFigureOut">
               <a:rPr lang="en-US" smtClean="0"/>
-              <a:t>10/13/20</a:t>
+              <a:t>10/14/20</a:t>
             </a:fld>
             <a:endParaRPr lang="en-US"/>
           </a:p>
@@ -4732,7 +4732,7 @@
           <a:p>
             <a:fld id="{82EDB8D0-98ED-4B86-9D5F-E61ADC70144D}" type="datetimeFigureOut">
               <a:rPr lang="en-US" smtClean="0"/>
-              <a:t>10/13/20</a:t>
+              <a:t>10/14/20</a:t>
             </a:fld>
             <a:endParaRPr lang="en-US"/>
           </a:p>
@@ -5219,7 +5219,7 @@
           <a:p>
             <a:fld id="{82EDB8D0-98ED-4B86-9D5F-E61ADC70144D}" type="datetimeFigureOut">
               <a:rPr lang="en-US" smtClean="0"/>
-              <a:t>10/13/20</a:t>
+              <a:t>10/14/20</a:t>
             </a:fld>
             <a:endParaRPr lang="en-US" dirty="0"/>
           </a:p>
@@ -5988,7 +5988,7 @@
           <a:p>
             <a:fld id="{82EDB8D0-98ED-4B86-9D5F-E61ADC70144D}" type="datetimeFigureOut">
               <a:rPr lang="en-US" smtClean="0"/>
-              <a:t>10/13/20</a:t>
+              <a:t>10/14/20</a:t>
             </a:fld>
             <a:endParaRPr lang="en-US"/>
           </a:p>
@@ -6470,7 +6470,7 @@
           <a:p>
             <a:fld id="{82EDB8D0-98ED-4B86-9D5F-E61ADC70144D}" type="datetimeFigureOut">
               <a:rPr lang="en-US" smtClean="0"/>
-              <a:t>10/13/20</a:t>
+              <a:t>10/14/20</a:t>
             </a:fld>
             <a:endParaRPr lang="en-US"/>
           </a:p>
@@ -7166,7 +7166,7 @@
           <a:p>
             <a:fld id="{82EDB8D0-98ED-4B86-9D5F-E61ADC70144D}" type="datetimeFigureOut">
               <a:rPr lang="en-US" smtClean="0"/>
-              <a:t>10/13/20</a:t>
+              <a:t>10/14/20</a:t>
             </a:fld>
             <a:endParaRPr lang="en-US"/>
           </a:p>
@@ -7591,7 +7591,7 @@
           <a:p>
             <a:fld id="{82EDB8D0-98ED-4B86-9D5F-E61ADC70144D}" type="datetimeFigureOut">
               <a:rPr lang="en-US" smtClean="0"/>
-              <a:t>10/13/20</a:t>
+              <a:t>10/14/20</a:t>
             </a:fld>
             <a:endParaRPr lang="en-US"/>
           </a:p>
@@ -7988,7 +7988,7 @@
           <a:p>
             <a:fld id="{82EDB8D0-98ED-4B86-9D5F-E61ADC70144D}" type="datetimeFigureOut">
               <a:rPr lang="en-US" smtClean="0"/>
-              <a:t>10/13/20</a:t>
+              <a:t>10/14/20</a:t>
             </a:fld>
             <a:endParaRPr lang="en-US"/>
           </a:p>
@@ -8583,7 +8583,7 @@
           <a:p>
             <a:fld id="{82EDB8D0-98ED-4B86-9D5F-E61ADC70144D}" type="datetimeFigureOut">
               <a:rPr lang="en-US" smtClean="0"/>
-              <a:t>10/13/20</a:t>
+              <a:t>10/14/20</a:t>
             </a:fld>
             <a:endParaRPr lang="en-US"/>
           </a:p>
@@ -9158,7 +9158,7 @@
           <a:p>
             <a:fld id="{82EDB8D0-98ED-4B86-9D5F-E61ADC70144D}" type="datetimeFigureOut">
               <a:rPr lang="en-US" smtClean="0"/>
-              <a:t>10/13/20</a:t>
+              <a:t>10/14/20</a:t>
             </a:fld>
             <a:endParaRPr lang="en-US"/>
           </a:p>
@@ -9685,7 +9685,7 @@
             <a:fld id="{82EDB8D0-98ED-4B86-9D5F-E61ADC70144D}" type="datetimeFigureOut">
               <a:rPr lang="en-US" smtClean="0"/>
               <a:pPr/>
-              <a:t>10/13/20</a:t>
+              <a:t>10/14/20</a:t>
             </a:fld>
             <a:endParaRPr lang="en-US" dirty="0"/>
           </a:p>
@@ -13559,6 +13559,111 @@
           </a:p>
         </p:txBody>
       </p:sp>
+      <p:sp>
+        <p:nvSpPr>
+          <p:cNvPr id="3" name="CuadroTexto 2">
+            <a:extLst>
+              <a:ext uri="{FF2B5EF4-FFF2-40B4-BE49-F238E27FC236}">
+                <a16:creationId xmlns:a16="http://schemas.microsoft.com/office/drawing/2014/main" id="{D7B94CB5-8DEE-A94F-BDF7-3984409268A6}"/>
+              </a:ext>
+            </a:extLst>
+          </p:cNvPr>
+          <p:cNvSpPr txBox="1"/>
+          <p:nvPr/>
+        </p:nvSpPr>
+        <p:spPr>
+          <a:xfrm>
+            <a:off x="8445600" y="3751200"/>
+            <a:ext cx="266420" cy="261610"/>
+          </a:xfrm>
+          <a:prstGeom prst="rect">
+            <a:avLst/>
+          </a:prstGeom>
+          <a:noFill/>
+        </p:spPr>
+        <p:txBody>
+          <a:bodyPr wrap="none" rtlCol="0">
+            <a:spAutoFit/>
+          </a:bodyPr>
+          <a:lstStyle/>
+          <a:p>
+            <a:r>
+              <a:rPr lang="es-ES" sz="1050" dirty="0"/>
+              <a:t>0</a:t>
+            </a:r>
+          </a:p>
+        </p:txBody>
+      </p:sp>
+      <p:sp>
+        <p:nvSpPr>
+          <p:cNvPr id="12" name="CuadroTexto 11">
+            <a:extLst>
+              <a:ext uri="{FF2B5EF4-FFF2-40B4-BE49-F238E27FC236}">
+                <a16:creationId xmlns:a16="http://schemas.microsoft.com/office/drawing/2014/main" id="{91BD244E-1B3E-AA41-881F-B05CC582DC57}"/>
+              </a:ext>
+            </a:extLst>
+          </p:cNvPr>
+          <p:cNvSpPr txBox="1"/>
+          <p:nvPr/>
+        </p:nvSpPr>
+        <p:spPr>
+          <a:xfrm>
+            <a:off x="8445600" y="4996800"/>
+            <a:ext cx="266420" cy="261610"/>
+          </a:xfrm>
+          <a:prstGeom prst="rect">
+            <a:avLst/>
+          </a:prstGeom>
+          <a:noFill/>
+        </p:spPr>
+        <p:txBody>
+          <a:bodyPr wrap="none" rtlCol="0">
+            <a:spAutoFit/>
+          </a:bodyPr>
+          <a:lstStyle/>
+          <a:p>
+            <a:r>
+              <a:rPr lang="es-ES" sz="1050" dirty="0"/>
+              <a:t>0</a:t>
+            </a:r>
+          </a:p>
+        </p:txBody>
+      </p:sp>
+      <p:sp>
+        <p:nvSpPr>
+          <p:cNvPr id="13" name="CuadroTexto 12">
+            <a:extLst>
+              <a:ext uri="{FF2B5EF4-FFF2-40B4-BE49-F238E27FC236}">
+                <a16:creationId xmlns:a16="http://schemas.microsoft.com/office/drawing/2014/main" id="{AA6F0C0E-0987-D745-8931-1DC591D11987}"/>
+              </a:ext>
+            </a:extLst>
+          </p:cNvPr>
+          <p:cNvSpPr txBox="1"/>
+          <p:nvPr/>
+        </p:nvSpPr>
+        <p:spPr>
+          <a:xfrm>
+            <a:off x="8445600" y="2509200"/>
+            <a:ext cx="266420" cy="261610"/>
+          </a:xfrm>
+          <a:prstGeom prst="rect">
+            <a:avLst/>
+          </a:prstGeom>
+          <a:noFill/>
+        </p:spPr>
+        <p:txBody>
+          <a:bodyPr wrap="none" rtlCol="0">
+            <a:spAutoFit/>
+          </a:bodyPr>
+          <a:lstStyle/>
+          <a:p>
+            <a:r>
+              <a:rPr lang="es-ES" sz="1050" dirty="0"/>
+              <a:t>0</a:t>
+            </a:r>
+          </a:p>
+        </p:txBody>
+      </p:sp>
     </p:spTree>
     <p:extLst>
       <p:ext uri="{BB962C8B-B14F-4D97-AF65-F5344CB8AC3E}">
@@ -13830,8 +13935,8 @@
           </a:p>
         </p:txBody>
       </p:sp>
-      <mc:AlternateContent xmlns:mc="http://schemas.openxmlformats.org/markup-compatibility/2006">
-        <mc:Choice xmlns:a14="http://schemas.microsoft.com/office/drawing/2010/main" Requires="a14">
+      <mc:AlternateContent xmlns:mc="http://schemas.openxmlformats.org/markup-compatibility/2006" xmlns:a14="http://schemas.microsoft.com/office/drawing/2010/main">
+        <mc:Choice Requires="a14">
           <p:sp>
             <p:nvSpPr>
               <p:cNvPr id="4" name="Marcador de contenido 3">
@@ -13907,7 +14012,7 @@
             </p:txBody>
           </p:sp>
         </mc:Choice>
-        <mc:Fallback>
+        <mc:Fallback xmlns="">
           <p:sp>
             <p:nvSpPr>
               <p:cNvPr id="4" name="Marcador de contenido 3">
@@ -14500,8 +14605,8 @@
           </a:p>
         </p:txBody>
       </p:sp>
-      <mc:AlternateContent xmlns:mc="http://schemas.openxmlformats.org/markup-compatibility/2006">
-        <mc:Choice xmlns:a14="http://schemas.microsoft.com/office/drawing/2010/main" Requires="a14">
+      <mc:AlternateContent xmlns:mc="http://schemas.openxmlformats.org/markup-compatibility/2006" xmlns:a14="http://schemas.microsoft.com/office/drawing/2010/main">
+        <mc:Choice Requires="a14">
           <p:sp>
             <p:nvSpPr>
               <p:cNvPr id="4" name="Marcador de contenido 3">
@@ -14601,7 +14706,7 @@
             </p:txBody>
           </p:sp>
         </mc:Choice>
-        <mc:Fallback>
+        <mc:Fallback xmlns="">
           <p:sp>
             <p:nvSpPr>
               <p:cNvPr id="4" name="Marcador de contenido 3">
@@ -15305,8 +15410,8 @@
           </a:p>
         </p:txBody>
       </p:sp>
-      <mc:AlternateContent xmlns:mc="http://schemas.openxmlformats.org/markup-compatibility/2006">
-        <mc:Choice xmlns:a14="http://schemas.microsoft.com/office/drawing/2010/main" Requires="a14">
+      <mc:AlternateContent xmlns:mc="http://schemas.openxmlformats.org/markup-compatibility/2006" xmlns:a14="http://schemas.microsoft.com/office/drawing/2010/main">
+        <mc:Choice Requires="a14">
           <p:sp>
             <p:nvSpPr>
               <p:cNvPr id="4" name="Marcador de contenido 3">
@@ -15449,7 +15554,7 @@
             </p:txBody>
           </p:sp>
         </mc:Choice>
-        <mc:Fallback>
+        <mc:Fallback xmlns="">
           <p:sp>
             <p:nvSpPr>
               <p:cNvPr id="4" name="Marcador de contenido 3">
@@ -33951,42 +34056,6 @@
           </a:fontRef>
         </p:style>
       </p:cxnSp>
-      <p:pic>
-        <p:nvPicPr>
-          <p:cNvPr id="24" name="Gráfico 23" descr="Cerrar">
-            <a:extLst>
-              <a:ext uri="{FF2B5EF4-FFF2-40B4-BE49-F238E27FC236}">
-                <a16:creationId xmlns:a16="http://schemas.microsoft.com/office/drawing/2014/main" id="{D27A69AE-ABFF-7C43-8FDE-5F66624C168A}"/>
-              </a:ext>
-            </a:extLst>
-          </p:cNvPr>
-          <p:cNvPicPr>
-            <a:picLocks noChangeAspect="1"/>
-          </p:cNvPicPr>
-          <p:nvPr/>
-        </p:nvPicPr>
-        <p:blipFill>
-          <a:blip r:embed="rId5">
-            <a:extLst>
-              <a:ext uri="{96DAC541-7B7A-43D3-8B79-37D633B846F1}">
-                <asvg:svgBlip xmlns:asvg="http://schemas.microsoft.com/office/drawing/2016/SVG/main" r:embed="rId6"/>
-              </a:ext>
-            </a:extLst>
-          </a:blip>
-          <a:stretch>
-            <a:fillRect/>
-          </a:stretch>
-        </p:blipFill>
-        <p:spPr>
-          <a:xfrm flipH="1">
-            <a:off x="7698279" y="4094549"/>
-            <a:ext cx="180000" cy="180000"/>
-          </a:xfrm>
-          <a:prstGeom prst="rect">
-            <a:avLst/>
-          </a:prstGeom>
-        </p:spPr>
-      </p:pic>
       <p:sp>
         <p:nvSpPr>
           <p:cNvPr id="3" name="CuadroTexto 2">
@@ -34018,6 +34087,41 @@
             <a:r>
               <a:rPr lang="es-ES" sz="2400" b="1" dirty="0"/>
               <a:t>5x5</a:t>
+            </a:r>
+          </a:p>
+        </p:txBody>
+      </p:sp>
+      <p:sp>
+        <p:nvSpPr>
+          <p:cNvPr id="6" name="CuadroTexto 5">
+            <a:extLst>
+              <a:ext uri="{FF2B5EF4-FFF2-40B4-BE49-F238E27FC236}">
+                <a16:creationId xmlns:a16="http://schemas.microsoft.com/office/drawing/2014/main" id="{5FBA9D15-3826-D440-9495-54377EF16E0E}"/>
+              </a:ext>
+            </a:extLst>
+          </p:cNvPr>
+          <p:cNvSpPr txBox="1"/>
+          <p:nvPr/>
+        </p:nvSpPr>
+        <p:spPr>
+          <a:xfrm>
+            <a:off x="7627017" y="3768710"/>
+            <a:ext cx="322524" cy="646331"/>
+          </a:xfrm>
+          <a:prstGeom prst="rect">
+            <a:avLst/>
+          </a:prstGeom>
+          <a:noFill/>
+        </p:spPr>
+        <p:txBody>
+          <a:bodyPr wrap="none" rtlCol="0">
+            <a:spAutoFit/>
+          </a:bodyPr>
+          <a:lstStyle/>
+          <a:p>
+            <a:r>
+              <a:rPr lang="es-ES" sz="3600" b="1" dirty="0"/>
+              <a:t>.</a:t>
             </a:r>
           </a:p>
         </p:txBody>
@@ -38034,7 +38138,7 @@
               </a:ln>
             </p:spPr>
             <p:txBody>
-              <a:bodyPr wrap="square" numCol="2" rtlCol="0">
+              <a:bodyPr wrap="square" numCol="2" rtlCol="0" anchor="ctr">
                 <a:spAutoFit/>
               </a:bodyPr>
               <a:lstStyle/>

--- a/Documentation/Presentacion-TFM/Presentacion-TFM.pptx
+++ b/Documentation/Presentacion-TFM/Presentacion-TFM.pptx
@@ -3825,7 +3825,7 @@
           <a:p>
             <a:fld id="{82EDB8D0-98ED-4B86-9D5F-E61ADC70144D}" type="datetimeFigureOut">
               <a:rPr lang="en-US" smtClean="0"/>
-              <a:t>10/14/20</a:t>
+              <a:t>10/19/20</a:t>
             </a:fld>
             <a:endParaRPr lang="en-US" dirty="0"/>
           </a:p>
@@ -4240,7 +4240,7 @@
           <a:p>
             <a:fld id="{82EDB8D0-98ED-4B86-9D5F-E61ADC70144D}" type="datetimeFigureOut">
               <a:rPr lang="en-US" smtClean="0"/>
-              <a:t>10/14/20</a:t>
+              <a:t>10/19/20</a:t>
             </a:fld>
             <a:endParaRPr lang="en-US"/>
           </a:p>
@@ -4732,7 +4732,7 @@
           <a:p>
             <a:fld id="{82EDB8D0-98ED-4B86-9D5F-E61ADC70144D}" type="datetimeFigureOut">
               <a:rPr lang="en-US" smtClean="0"/>
-              <a:t>10/14/20</a:t>
+              <a:t>10/19/20</a:t>
             </a:fld>
             <a:endParaRPr lang="en-US"/>
           </a:p>
@@ -5219,7 +5219,7 @@
           <a:p>
             <a:fld id="{82EDB8D0-98ED-4B86-9D5F-E61ADC70144D}" type="datetimeFigureOut">
               <a:rPr lang="en-US" smtClean="0"/>
-              <a:t>10/14/20</a:t>
+              <a:t>10/19/20</a:t>
             </a:fld>
             <a:endParaRPr lang="en-US" dirty="0"/>
           </a:p>
@@ -5988,7 +5988,7 @@
           <a:p>
             <a:fld id="{82EDB8D0-98ED-4B86-9D5F-E61ADC70144D}" type="datetimeFigureOut">
               <a:rPr lang="en-US" smtClean="0"/>
-              <a:t>10/14/20</a:t>
+              <a:t>10/19/20</a:t>
             </a:fld>
             <a:endParaRPr lang="en-US"/>
           </a:p>
@@ -6470,7 +6470,7 @@
           <a:p>
             <a:fld id="{82EDB8D0-98ED-4B86-9D5F-E61ADC70144D}" type="datetimeFigureOut">
               <a:rPr lang="en-US" smtClean="0"/>
-              <a:t>10/14/20</a:t>
+              <a:t>10/19/20</a:t>
             </a:fld>
             <a:endParaRPr lang="en-US"/>
           </a:p>
@@ -7166,7 +7166,7 @@
           <a:p>
             <a:fld id="{82EDB8D0-98ED-4B86-9D5F-E61ADC70144D}" type="datetimeFigureOut">
               <a:rPr lang="en-US" smtClean="0"/>
-              <a:t>10/14/20</a:t>
+              <a:t>10/19/20</a:t>
             </a:fld>
             <a:endParaRPr lang="en-US"/>
           </a:p>
@@ -7591,7 +7591,7 @@
           <a:p>
             <a:fld id="{82EDB8D0-98ED-4B86-9D5F-E61ADC70144D}" type="datetimeFigureOut">
               <a:rPr lang="en-US" smtClean="0"/>
-              <a:t>10/14/20</a:t>
+              <a:t>10/19/20</a:t>
             </a:fld>
             <a:endParaRPr lang="en-US"/>
           </a:p>
@@ -7988,7 +7988,7 @@
           <a:p>
             <a:fld id="{82EDB8D0-98ED-4B86-9D5F-E61ADC70144D}" type="datetimeFigureOut">
               <a:rPr lang="en-US" smtClean="0"/>
-              <a:t>10/14/20</a:t>
+              <a:t>10/19/20</a:t>
             </a:fld>
             <a:endParaRPr lang="en-US"/>
           </a:p>
@@ -8583,7 +8583,7 @@
           <a:p>
             <a:fld id="{82EDB8D0-98ED-4B86-9D5F-E61ADC70144D}" type="datetimeFigureOut">
               <a:rPr lang="en-US" smtClean="0"/>
-              <a:t>10/14/20</a:t>
+              <a:t>10/19/20</a:t>
             </a:fld>
             <a:endParaRPr lang="en-US"/>
           </a:p>
@@ -9158,7 +9158,7 @@
           <a:p>
             <a:fld id="{82EDB8D0-98ED-4B86-9D5F-E61ADC70144D}" type="datetimeFigureOut">
               <a:rPr lang="en-US" smtClean="0"/>
-              <a:t>10/14/20</a:t>
+              <a:t>10/19/20</a:t>
             </a:fld>
             <a:endParaRPr lang="en-US"/>
           </a:p>
@@ -9685,7 +9685,7 @@
             <a:fld id="{82EDB8D0-98ED-4B86-9D5F-E61ADC70144D}" type="datetimeFigureOut">
               <a:rPr lang="en-US" smtClean="0"/>
               <a:pPr/>
-              <a:t>10/14/20</a:t>
+              <a:t>10/19/20</a:t>
             </a:fld>
             <a:endParaRPr lang="en-US" dirty="0"/>
           </a:p>
@@ -13164,6 +13164,13 @@
             <a:r>
               <a:rPr lang="es-ES" sz="2200" dirty="0"/>
               <a:t>Píxel blanco (activo) que se desplaza sobre fondo negro.</a:t>
+            </a:r>
+          </a:p>
+          <a:p>
+            <a:pPr lvl="1"/>
+            <a:r>
+              <a:rPr lang="es-ES" sz="2200" dirty="0"/>
+              <a:t>Píxel presente en todas las imágenes.</a:t>
             </a:r>
           </a:p>
           <a:p>

--- a/Documentation/Presentacion-TFM/Presentacion-TFM.pptx
+++ b/Documentation/Presentacion-TFM/Presentacion-TFM.pptx
@@ -37227,15 +37227,21 @@
         </p:nvSpPr>
         <p:spPr>
           <a:xfrm>
-            <a:off x="984512" y="2692691"/>
-            <a:ext cx="5183188" cy="852465"/>
+            <a:off x="949047" y="2357940"/>
+            <a:ext cx="5183188" cy="1444039"/>
           </a:xfrm>
         </p:spPr>
         <p:txBody>
           <a:bodyPr>
-            <a:normAutofit lnSpcReduction="10000"/>
+            <a:normAutofit/>
           </a:bodyPr>
           <a:lstStyle/>
+          <a:p>
+            <a:r>
+              <a:rPr lang="es-ES" sz="2400" dirty="0"/>
+              <a:t>Fluctúa el máximo.</a:t>
+            </a:r>
+          </a:p>
           <a:p>
             <a:r>
               <a:rPr lang="es-ES" sz="2400" dirty="0"/>
@@ -42059,27 +42065,6 @@
           </a:p>
           <a:p>
             <a:r>
-              <a:rPr lang="es-ES" sz="2400" b="1" dirty="0"/>
-              <a:t>↑ Nº capas </a:t>
-            </a:r>
-            <a:r>
-              <a:rPr lang="es-ES" sz="2400" dirty="0">
-                <a:sym typeface="Wingdings" pitchFamily="2" charset="2"/>
-              </a:rPr>
-              <a:t></a:t>
-            </a:r>
-            <a:r>
-              <a:rPr lang="es-ES" sz="2400" dirty="0"/>
-              <a:t> </a:t>
-            </a:r>
-            <a:r>
-              <a:rPr lang="es-ES" sz="2400" b="1" dirty="0"/>
-              <a:t>↑ Prestaciones</a:t>
-            </a:r>
-            <a:endParaRPr lang="es-ES" sz="2400" dirty="0"/>
-          </a:p>
-          <a:p>
-            <a:r>
               <a:rPr lang="es-ES" sz="2400" dirty="0">
                 <a:sym typeface="Wingdings" pitchFamily="2" charset="2"/>
               </a:rPr>
@@ -42109,6 +42094,28 @@
               </a:rPr>
               <a:t>).</a:t>
             </a:r>
+            <a:endParaRPr lang="es-ES" sz="2400" dirty="0"/>
+          </a:p>
+          <a:p>
+            <a:r>
+              <a:rPr lang="es-ES" sz="2400" b="1" dirty="0"/>
+              <a:t>↑ Nº capas </a:t>
+            </a:r>
+            <a:r>
+              <a:rPr lang="es-ES" sz="2400" dirty="0">
+                <a:sym typeface="Wingdings" pitchFamily="2" charset="2"/>
+              </a:rPr>
+              <a:t></a:t>
+            </a:r>
+            <a:r>
+              <a:rPr lang="es-ES" sz="2400" dirty="0"/>
+              <a:t> </a:t>
+            </a:r>
+            <a:r>
+              <a:rPr lang="es-ES" sz="2400" b="1" dirty="0"/>
+              <a:t>↑ Prestaciones</a:t>
+            </a:r>
+            <a:endParaRPr lang="es-ES" sz="2400" dirty="0"/>
           </a:p>
           <a:p>
             <a:r>

--- a/Documentation/Presentacion-TFM/Presentacion-TFM.pptx
+++ b/Documentation/Presentacion-TFM/Presentacion-TFM.pptx
@@ -3825,7 +3825,7 @@
           <a:p>
             <a:fld id="{82EDB8D0-98ED-4B86-9D5F-E61ADC70144D}" type="datetimeFigureOut">
               <a:rPr lang="en-US" smtClean="0"/>
-              <a:t>10/19/20</a:t>
+              <a:t>10/21/20</a:t>
             </a:fld>
             <a:endParaRPr lang="en-US" dirty="0"/>
           </a:p>
@@ -4240,7 +4240,7 @@
           <a:p>
             <a:fld id="{82EDB8D0-98ED-4B86-9D5F-E61ADC70144D}" type="datetimeFigureOut">
               <a:rPr lang="en-US" smtClean="0"/>
-              <a:t>10/19/20</a:t>
+              <a:t>10/21/20</a:t>
             </a:fld>
             <a:endParaRPr lang="en-US"/>
           </a:p>
@@ -4732,7 +4732,7 @@
           <a:p>
             <a:fld id="{82EDB8D0-98ED-4B86-9D5F-E61ADC70144D}" type="datetimeFigureOut">
               <a:rPr lang="en-US" smtClean="0"/>
-              <a:t>10/19/20</a:t>
+              <a:t>10/21/20</a:t>
             </a:fld>
             <a:endParaRPr lang="en-US"/>
           </a:p>
@@ -5219,7 +5219,7 @@
           <a:p>
             <a:fld id="{82EDB8D0-98ED-4B86-9D5F-E61ADC70144D}" type="datetimeFigureOut">
               <a:rPr lang="en-US" smtClean="0"/>
-              <a:t>10/19/20</a:t>
+              <a:t>10/21/20</a:t>
             </a:fld>
             <a:endParaRPr lang="en-US" dirty="0"/>
           </a:p>
@@ -5988,7 +5988,7 @@
           <a:p>
             <a:fld id="{82EDB8D0-98ED-4B86-9D5F-E61ADC70144D}" type="datetimeFigureOut">
               <a:rPr lang="en-US" smtClean="0"/>
-              <a:t>10/19/20</a:t>
+              <a:t>10/21/20</a:t>
             </a:fld>
             <a:endParaRPr lang="en-US"/>
           </a:p>
@@ -6470,7 +6470,7 @@
           <a:p>
             <a:fld id="{82EDB8D0-98ED-4B86-9D5F-E61ADC70144D}" type="datetimeFigureOut">
               <a:rPr lang="en-US" smtClean="0"/>
-              <a:t>10/19/20</a:t>
+              <a:t>10/21/20</a:t>
             </a:fld>
             <a:endParaRPr lang="en-US"/>
           </a:p>
@@ -7166,7 +7166,7 @@
           <a:p>
             <a:fld id="{82EDB8D0-98ED-4B86-9D5F-E61ADC70144D}" type="datetimeFigureOut">
               <a:rPr lang="en-US" smtClean="0"/>
-              <a:t>10/19/20</a:t>
+              <a:t>10/21/20</a:t>
             </a:fld>
             <a:endParaRPr lang="en-US"/>
           </a:p>
@@ -7591,7 +7591,7 @@
           <a:p>
             <a:fld id="{82EDB8D0-98ED-4B86-9D5F-E61ADC70144D}" type="datetimeFigureOut">
               <a:rPr lang="en-US" smtClean="0"/>
-              <a:t>10/19/20</a:t>
+              <a:t>10/21/20</a:t>
             </a:fld>
             <a:endParaRPr lang="en-US"/>
           </a:p>
@@ -7988,7 +7988,7 @@
           <a:p>
             <a:fld id="{82EDB8D0-98ED-4B86-9D5F-E61ADC70144D}" type="datetimeFigureOut">
               <a:rPr lang="en-US" smtClean="0"/>
-              <a:t>10/19/20</a:t>
+              <a:t>10/21/20</a:t>
             </a:fld>
             <a:endParaRPr lang="en-US"/>
           </a:p>
@@ -8583,7 +8583,7 @@
           <a:p>
             <a:fld id="{82EDB8D0-98ED-4B86-9D5F-E61ADC70144D}" type="datetimeFigureOut">
               <a:rPr lang="en-US" smtClean="0"/>
-              <a:t>10/19/20</a:t>
+              <a:t>10/21/20</a:t>
             </a:fld>
             <a:endParaRPr lang="en-US"/>
           </a:p>
@@ -9158,7 +9158,7 @@
           <a:p>
             <a:fld id="{82EDB8D0-98ED-4B86-9D5F-E61ADC70144D}" type="datetimeFigureOut">
               <a:rPr lang="en-US" smtClean="0"/>
-              <a:t>10/19/20</a:t>
+              <a:t>10/21/20</a:t>
             </a:fld>
             <a:endParaRPr lang="en-US"/>
           </a:p>
@@ -9685,7 +9685,7 @@
             <a:fld id="{82EDB8D0-98ED-4B86-9D5F-E61ADC70144D}" type="datetimeFigureOut">
               <a:rPr lang="en-US" smtClean="0"/>
               <a:pPr/>
-              <a:t>10/19/20</a:t>
+              <a:t>10/21/20</a:t>
             </a:fld>
             <a:endParaRPr lang="en-US" dirty="0"/>
           </a:p>
@@ -34248,13 +34248,13 @@
           <a:p>
             <a:r>
               <a:rPr lang="es-ES" sz="2400" dirty="0"/>
-              <a:t>No es una estrategia adecuada.</a:t>
+              <a:t>La expansión del píxel produce mejora.</a:t>
             </a:r>
           </a:p>
           <a:p>
             <a:r>
               <a:rPr lang="es-ES" sz="2400" dirty="0"/>
-              <a:t>La expansión del píxel produce mejora.</a:t>
+              <a:t>No es una estrategia adecuada.</a:t>
             </a:r>
           </a:p>
         </p:txBody>
